--- a/Docs/GiftGame101.pptx
+++ b/Docs/GiftGame101.pptx
@@ -5,16 +5,18 @@
     <p:sldMasterId id="2147483901" r:id="rId1"/>
   </p:sldMasterIdLst>
   <p:notesMasterIdLst>
-    <p:notesMasterId r:id="rId9"/>
+    <p:notesMasterId r:id="rId11"/>
   </p:notesMasterIdLst>
   <p:sldIdLst>
     <p:sldId id="256" r:id="rId2"/>
-    <p:sldId id="268" r:id="rId3"/>
-    <p:sldId id="257" r:id="rId4"/>
-    <p:sldId id="258" r:id="rId5"/>
-    <p:sldId id="267" r:id="rId6"/>
-    <p:sldId id="266" r:id="rId7"/>
-    <p:sldId id="265" r:id="rId8"/>
+    <p:sldId id="269" r:id="rId3"/>
+    <p:sldId id="268" r:id="rId4"/>
+    <p:sldId id="257" r:id="rId5"/>
+    <p:sldId id="258" r:id="rId6"/>
+    <p:sldId id="267" r:id="rId7"/>
+    <p:sldId id="271" r:id="rId8"/>
+    <p:sldId id="270" r:id="rId9"/>
+    <p:sldId id="265" r:id="rId10"/>
   </p:sldIdLst>
   <p:sldSz cx="12192000" cy="6858000"/>
   <p:notesSz cx="6858000" cy="9144000"/>
@@ -255,7 +257,7 @@
           <a:p>
             <a:fld id="{10949AA3-934F-45B1-9867-9FE5B21EC5A7}" type="datetimeFigureOut">
               <a:rPr lang="en-US" smtClean="0"/>
-              <a:t>9/4/2018</a:t>
+              <a:t>10/16/2018</a:t>
             </a:fld>
             <a:endParaRPr lang="en-US"/>
           </a:p>
@@ -600,7 +602,7 @@
     </p:spTree>
     <p:extLst>
       <p:ext uri="{BB962C8B-B14F-4D97-AF65-F5344CB8AC3E}">
-        <p14:creationId xmlns:p14="http://schemas.microsoft.com/office/powerpoint/2010/main" val="3698034998"/>
+        <p14:creationId xmlns:p14="http://schemas.microsoft.com/office/powerpoint/2010/main" val="20076431"/>
       </p:ext>
     </p:extLst>
   </p:cSld>
@@ -680,6 +682,94 @@
             <a:fld id="{B8FCD53D-71F9-432A-9EEE-AB8B1A1FB2DC}" type="slidenum">
               <a:rPr lang="en-US" smtClean="0"/>
               <a:t>3</a:t>
+            </a:fld>
+            <a:endParaRPr lang="en-US"/>
+          </a:p>
+        </p:txBody>
+      </p:sp>
+    </p:spTree>
+    <p:extLst>
+      <p:ext uri="{BB962C8B-B14F-4D97-AF65-F5344CB8AC3E}">
+        <p14:creationId xmlns:p14="http://schemas.microsoft.com/office/powerpoint/2010/main" val="3698034998"/>
+      </p:ext>
+    </p:extLst>
+  </p:cSld>
+  <p:clrMapOvr>
+    <a:masterClrMapping/>
+  </p:clrMapOvr>
+</p:notes>
+</file>
+
+<file path=ppt/notesSlides/notesSlide3.xml><?xml version="1.0" encoding="utf-8"?>
+<p:notes xmlns:a="http://schemas.openxmlformats.org/drawingml/2006/main" xmlns:r="http://schemas.openxmlformats.org/officeDocument/2006/relationships" xmlns:p="http://schemas.openxmlformats.org/presentationml/2006/main">
+  <p:cSld>
+    <p:spTree>
+      <p:nvGrpSpPr>
+        <p:cNvPr id="1" name=""/>
+        <p:cNvGrpSpPr/>
+        <p:nvPr/>
+      </p:nvGrpSpPr>
+      <p:grpSpPr>
+        <a:xfrm>
+          <a:off x="0" y="0"/>
+          <a:ext cx="0" cy="0"/>
+          <a:chOff x="0" y="0"/>
+          <a:chExt cx="0" cy="0"/>
+        </a:xfrm>
+      </p:grpSpPr>
+      <p:sp>
+        <p:nvSpPr>
+          <p:cNvPr id="2" name="Slide Image Placeholder 1"/>
+          <p:cNvSpPr>
+            <a:spLocks noGrp="1" noRot="1" noChangeAspect="1"/>
+          </p:cNvSpPr>
+          <p:nvPr>
+            <p:ph type="sldImg"/>
+          </p:nvPr>
+        </p:nvSpPr>
+        <p:spPr/>
+      </p:sp>
+      <p:sp>
+        <p:nvSpPr>
+          <p:cNvPr id="3" name="Notes Placeholder 2"/>
+          <p:cNvSpPr>
+            <a:spLocks noGrp="1"/>
+          </p:cNvSpPr>
+          <p:nvPr>
+            <p:ph type="body" idx="1"/>
+          </p:nvPr>
+        </p:nvSpPr>
+        <p:spPr/>
+        <p:txBody>
+          <a:bodyPr/>
+          <a:lstStyle/>
+          <a:p>
+            <a:endParaRPr lang="en-US" sz="1200" dirty="0">
+              <a:solidFill>
+                <a:schemeClr val="bg1"/>
+              </a:solidFill>
+            </a:endParaRPr>
+          </a:p>
+        </p:txBody>
+      </p:sp>
+      <p:sp>
+        <p:nvSpPr>
+          <p:cNvPr id="4" name="Slide Number Placeholder 3"/>
+          <p:cNvSpPr>
+            <a:spLocks noGrp="1"/>
+          </p:cNvSpPr>
+          <p:nvPr>
+            <p:ph type="sldNum" sz="quarter" idx="10"/>
+          </p:nvPr>
+        </p:nvSpPr>
+        <p:spPr/>
+        <p:txBody>
+          <a:bodyPr/>
+          <a:lstStyle/>
+          <a:p>
+            <a:fld id="{B8FCD53D-71F9-432A-9EEE-AB8B1A1FB2DC}" type="slidenum">
+              <a:rPr lang="en-US" smtClean="0"/>
+              <a:t>4</a:t>
             </a:fld>
             <a:endParaRPr lang="en-US"/>
           </a:p>
@@ -925,7 +1015,7 @@
             <a:fld id="{08B9EBBA-996F-894A-B54A-D6246ED52CEA}" type="datetimeFigureOut">
               <a:rPr lang="en-US" smtClean="0"/>
               <a:pPr/>
-              <a:t>9/4/2018</a:t>
+              <a:t>10/16/2018</a:t>
             </a:fld>
             <a:endParaRPr lang="en-US" dirty="0"/>
           </a:p>
@@ -1135,7 +1225,7 @@
             <a:fld id="{C6C52C72-DE31-F449-A4ED-4C594FD91407}" type="datetimeFigureOut">
               <a:rPr lang="en-US" smtClean="0"/>
               <a:pPr/>
-              <a:t>9/4/2018</a:t>
+              <a:t>10/16/2018</a:t>
             </a:fld>
             <a:endParaRPr lang="en-US" dirty="0"/>
           </a:p>
@@ -1393,7 +1483,7 @@
             <a:fld id="{ED62726E-379B-B349-9EED-81ED093FA806}" type="datetimeFigureOut">
               <a:rPr lang="en-US" smtClean="0"/>
               <a:pPr/>
-              <a:t>9/4/2018</a:t>
+              <a:t>10/16/2018</a:t>
             </a:fld>
             <a:endParaRPr lang="en-US" dirty="0"/>
           </a:p>
@@ -1565,7 +1655,7 @@
             <a:fld id="{9B3A1323-8D79-1946-B0D7-40001CF92E9D}" type="datetimeFigureOut">
               <a:rPr lang="en-US" smtClean="0"/>
               <a:pPr/>
-              <a:t>9/4/2018</a:t>
+              <a:t>10/16/2018</a:t>
             </a:fld>
             <a:endParaRPr lang="en-US" dirty="0"/>
           </a:p>
@@ -1910,7 +2000,7 @@
             <a:fld id="{8DFA1846-DA80-1C48-A609-854EA85C59AD}" type="datetimeFigureOut">
               <a:rPr lang="en-US" smtClean="0"/>
               <a:pPr/>
-              <a:t>9/4/2018</a:t>
+              <a:t>10/16/2018</a:t>
             </a:fld>
             <a:endParaRPr lang="en-US" dirty="0"/>
           </a:p>
@@ -2187,7 +2277,7 @@
             <a:fld id="{57302355-E14B-8545-A8F8-0FE83CC9D524}" type="datetimeFigureOut">
               <a:rPr lang="en-US" smtClean="0"/>
               <a:pPr/>
-              <a:t>9/4/2018</a:t>
+              <a:t>10/16/2018</a:t>
             </a:fld>
             <a:endParaRPr lang="en-US" dirty="0"/>
           </a:p>
@@ -2568,7 +2658,7 @@
             <a:fld id="{02640F58-564D-2B4F-AE67-E407BA4FCF45}" type="datetimeFigureOut">
               <a:rPr lang="en-US" smtClean="0"/>
               <a:pPr/>
-              <a:t>9/4/2018</a:t>
+              <a:t>10/16/2018</a:t>
             </a:fld>
             <a:endParaRPr lang="en-US" dirty="0"/>
           </a:p>
@@ -2688,7 +2778,7 @@
             <a:fld id="{F13A34C8-038E-2045-AF43-DF7DBB8E0E9E}" type="datetimeFigureOut">
               <a:rPr lang="en-US" smtClean="0"/>
               <a:pPr/>
-              <a:t>9/4/2018</a:t>
+              <a:t>10/16/2018</a:t>
             </a:fld>
             <a:endParaRPr lang="en-US" dirty="0"/>
           </a:p>
@@ -2861,7 +2951,7 @@
             <a:fld id="{8818C68F-D26B-8F47-958C-23B49CF8A634}" type="datetimeFigureOut">
               <a:rPr lang="en-US" smtClean="0"/>
               <a:pPr/>
-              <a:t>9/4/2018</a:t>
+              <a:t>10/16/2018</a:t>
             </a:fld>
             <a:endParaRPr lang="en-US" dirty="0"/>
           </a:p>
@@ -3217,7 +3307,7 @@
             <a:fld id="{D0DF5E60-9974-AC48-9591-99C2BB44B7CF}" type="datetimeFigureOut">
               <a:rPr lang="en-US" smtClean="0"/>
               <a:pPr/>
-              <a:t>9/4/2018</a:t>
+              <a:t>10/16/2018</a:t>
             </a:fld>
             <a:endParaRPr lang="en-US" dirty="0"/>
           </a:p>
@@ -3596,7 +3686,7 @@
             <a:fld id="{18C79C5D-2A6F-F04D-97DA-BEF2467B64E4}" type="datetimeFigureOut">
               <a:rPr lang="en-US" smtClean="0"/>
               <a:pPr/>
-              <a:t>9/4/2018</a:t>
+              <a:t>10/16/2018</a:t>
             </a:fld>
             <a:endParaRPr lang="en-US" dirty="0"/>
           </a:p>
@@ -3885,7 +3975,7 @@
             <a:fld id="{09B482E8-6E0E-1B4F-B1FD-C69DB9E858D9}" type="datetimeFigureOut">
               <a:rPr lang="en-US" smtClean="0"/>
               <a:pPr/>
-              <a:t>9/4/2018</a:t>
+              <a:t>10/16/2018</a:t>
             </a:fld>
             <a:endParaRPr lang="en-US" dirty="0"/>
           </a:p>
@@ -4481,7 +4571,7 @@
                   <a:srgbClr val="00B0F0"/>
                 </a:solidFill>
               </a:rPr>
-              <a:t>GAME 333/444 Project</a:t>
+              <a:t>Team N/A</a:t>
             </a:r>
           </a:p>
         </p:txBody>
@@ -4527,83 +4617,12 @@
           <a:chExt cx="0" cy="0"/>
         </a:xfrm>
       </p:grpSpPr>
-      <p:sp>
-        <p:nvSpPr>
-          <p:cNvPr id="2" name="Title 1">
+      <p:pic>
+        <p:nvPicPr>
+          <p:cNvPr id="5" name="Picture 4">
             <a:extLst>
               <a:ext uri="{FF2B5EF4-FFF2-40B4-BE49-F238E27FC236}">
-                <a16:creationId xmlns:a16="http://schemas.microsoft.com/office/drawing/2014/main" id="{EE7ED093-0D4B-4982-B474-1E83A5E5B28C}"/>
-              </a:ext>
-            </a:extLst>
-          </p:cNvPr>
-          <p:cNvSpPr>
-            <a:spLocks noGrp="1"/>
-          </p:cNvSpPr>
-          <p:nvPr>
-            <p:ph type="title"/>
-          </p:nvPr>
-        </p:nvSpPr>
-        <p:spPr/>
-        <p:txBody>
-          <a:bodyPr/>
-          <a:lstStyle/>
-          <a:p>
-            <a:r>
-              <a:rPr lang="en-US" dirty="0">
-                <a:solidFill>
-                  <a:schemeClr val="bg1"/>
-                </a:solidFill>
-              </a:rPr>
-              <a:t>The Concept</a:t>
-            </a:r>
-          </a:p>
-        </p:txBody>
-      </p:sp>
-      <p:sp>
-        <p:nvSpPr>
-          <p:cNvPr id="3" name="Content Placeholder 2">
-            <a:extLst>
-              <a:ext uri="{FF2B5EF4-FFF2-40B4-BE49-F238E27FC236}">
-                <a16:creationId xmlns:a16="http://schemas.microsoft.com/office/drawing/2014/main" id="{C1AF9E8C-E80C-43BD-B5F8-B55372535F86}"/>
-              </a:ext>
-            </a:extLst>
-          </p:cNvPr>
-          <p:cNvSpPr>
-            <a:spLocks noGrp="1"/>
-          </p:cNvSpPr>
-          <p:nvPr>
-            <p:ph idx="1"/>
-          </p:nvPr>
-        </p:nvSpPr>
-        <p:spPr>
-          <a:xfrm>
-            <a:off x="1097280" y="1845734"/>
-            <a:ext cx="10058400" cy="4023360"/>
-          </a:xfrm>
-        </p:spPr>
-        <p:txBody>
-          <a:bodyPr>
-            <a:normAutofit/>
-          </a:bodyPr>
-          <a:lstStyle/>
-          <a:p>
-            <a:r>
-              <a:rPr lang="en-US" sz="2400" dirty="0">
-                <a:solidFill>
-                  <a:schemeClr val="bg1"/>
-                </a:solidFill>
-              </a:rPr>
-              <a:t>Shake, swap, and steal your way to the best haul in this exciting new mobile game about opening the best presents. Rattle the package to hear what’s inside, inspect the outside, and make your best judgement as to what’s inside, but beware, it’s not always what you think.</a:t>
-            </a:r>
-          </a:p>
-        </p:txBody>
-      </p:sp>
-      <p:pic>
-        <p:nvPicPr>
-          <p:cNvPr id="5" name="Graphic 4" descr="Game controller">
-            <a:extLst>
-              <a:ext uri="{FF2B5EF4-FFF2-40B4-BE49-F238E27FC236}">
-                <a16:creationId xmlns:a16="http://schemas.microsoft.com/office/drawing/2014/main" id="{3DDA560B-B447-4D84-9F96-382113093280}"/>
+                <a16:creationId xmlns:a16="http://schemas.microsoft.com/office/drawing/2014/main" id="{4D1FFFD1-0115-49EA-9AB7-917576A1D64C}"/>
               </a:ext>
             </a:extLst>
           </p:cNvPr>
@@ -4613,31 +4632,201 @@
           <p:nvPr/>
         </p:nvPicPr>
         <p:blipFill>
-          <a:blip r:embed="rId3">
-            <a:extLst>
-              <a:ext uri="{96DAC541-7B7A-43D3-8B79-37D633B846F1}">
-                <asvg:svgBlip xmlns:asvg="http://schemas.microsoft.com/office/drawing/2016/SVG/main" r:embed="rId4"/>
-              </a:ext>
-            </a:extLst>
-          </a:blip>
+          <a:blip r:embed="rId3"/>
           <a:stretch>
             <a:fillRect/>
           </a:stretch>
         </p:blipFill>
         <p:spPr>
           <a:xfrm>
-            <a:off x="9418320" y="4131734"/>
-            <a:ext cx="1737360" cy="1737360"/>
+            <a:off x="5791187" y="2285991"/>
+            <a:ext cx="6400813" cy="4572009"/>
           </a:xfrm>
           <a:prstGeom prst="rect">
             <a:avLst/>
           </a:prstGeom>
         </p:spPr>
       </p:pic>
+      <p:sp>
+        <p:nvSpPr>
+          <p:cNvPr id="2" name="Title 1">
+            <a:extLst>
+              <a:ext uri="{FF2B5EF4-FFF2-40B4-BE49-F238E27FC236}">
+                <a16:creationId xmlns:a16="http://schemas.microsoft.com/office/drawing/2014/main" id="{EE7ED093-0D4B-4982-B474-1E83A5E5B28C}"/>
+              </a:ext>
+            </a:extLst>
+          </p:cNvPr>
+          <p:cNvSpPr>
+            <a:spLocks noGrp="1"/>
+          </p:cNvSpPr>
+          <p:nvPr>
+            <p:ph type="title"/>
+          </p:nvPr>
+        </p:nvSpPr>
+        <p:spPr/>
+        <p:txBody>
+          <a:bodyPr/>
+          <a:lstStyle/>
+          <a:p>
+            <a:r>
+              <a:rPr lang="en-US" dirty="0">
+                <a:solidFill>
+                  <a:schemeClr val="bg1"/>
+                </a:solidFill>
+              </a:rPr>
+              <a:t>Our Team</a:t>
+            </a:r>
+          </a:p>
+        </p:txBody>
+      </p:sp>
+      <p:sp>
+        <p:nvSpPr>
+          <p:cNvPr id="9" name="Content Placeholder 8">
+            <a:extLst>
+              <a:ext uri="{FF2B5EF4-FFF2-40B4-BE49-F238E27FC236}">
+                <a16:creationId xmlns:a16="http://schemas.microsoft.com/office/drawing/2014/main" id="{E967A144-90D9-41FC-9E53-0111BDDAD713}"/>
+              </a:ext>
+            </a:extLst>
+          </p:cNvPr>
+          <p:cNvSpPr>
+            <a:spLocks noGrp="1"/>
+          </p:cNvSpPr>
+          <p:nvPr>
+            <p:ph idx="1"/>
+          </p:nvPr>
+        </p:nvSpPr>
+        <p:spPr/>
+        <p:txBody>
+          <a:bodyPr>
+            <a:normAutofit/>
+          </a:bodyPr>
+          <a:lstStyle/>
+          <a:p>
+            <a:r>
+              <a:rPr lang="en-US" sz="2400" dirty="0">
+                <a:solidFill>
+                  <a:schemeClr val="bg1"/>
+                </a:solidFill>
+              </a:rPr>
+              <a:t>Gabe Landwehr – Team Lead</a:t>
+            </a:r>
+          </a:p>
+          <a:p>
+            <a:r>
+              <a:rPr lang="en-US" sz="2400" dirty="0">
+                <a:solidFill>
+                  <a:schemeClr val="bg1"/>
+                </a:solidFill>
+              </a:rPr>
+              <a:t>Tre </a:t>
+            </a:r>
+            <a:r>
+              <a:rPr lang="en-US" sz="2400" dirty="0" err="1">
+                <a:solidFill>
+                  <a:schemeClr val="bg1"/>
+                </a:solidFill>
+              </a:rPr>
+              <a:t>Stoterau</a:t>
+            </a:r>
+            <a:r>
+              <a:rPr lang="en-US" sz="2400" dirty="0">
+                <a:solidFill>
+                  <a:schemeClr val="bg1"/>
+                </a:solidFill>
+              </a:rPr>
+              <a:t> – Project Manager</a:t>
+            </a:r>
+          </a:p>
+          <a:p>
+            <a:r>
+              <a:rPr lang="en-US" sz="2400" dirty="0">
+                <a:solidFill>
+                  <a:schemeClr val="bg1"/>
+                </a:solidFill>
+              </a:rPr>
+              <a:t>Evan Winters – QA Lead</a:t>
+            </a:r>
+          </a:p>
+          <a:p>
+            <a:r>
+              <a:rPr lang="en-US" sz="2400" dirty="0">
+                <a:solidFill>
+                  <a:schemeClr val="bg1"/>
+                </a:solidFill>
+              </a:rPr>
+              <a:t>Austin Krieger – Admin</a:t>
+            </a:r>
+          </a:p>
+          <a:p>
+            <a:r>
+              <a:rPr lang="en-US" sz="2400" dirty="0" err="1">
+                <a:solidFill>
+                  <a:schemeClr val="bg1"/>
+                </a:solidFill>
+              </a:rPr>
+              <a:t>Phyzon</a:t>
+            </a:r>
+            <a:r>
+              <a:rPr lang="en-US" sz="2400" dirty="0">
+                <a:solidFill>
+                  <a:schemeClr val="bg1"/>
+                </a:solidFill>
+              </a:rPr>
+              <a:t> Milton – Marketing Lead</a:t>
+            </a:r>
+          </a:p>
+          <a:p>
+            <a:r>
+              <a:rPr lang="en-US" sz="2400" dirty="0">
+                <a:solidFill>
+                  <a:schemeClr val="bg1"/>
+                </a:solidFill>
+              </a:rPr>
+              <a:t>Jordan </a:t>
+            </a:r>
+            <a:r>
+              <a:rPr lang="en-US" sz="2400" dirty="0" err="1">
+                <a:solidFill>
+                  <a:schemeClr val="bg1"/>
+                </a:solidFill>
+              </a:rPr>
+              <a:t>Kudray</a:t>
+            </a:r>
+            <a:r>
+              <a:rPr lang="en-US" sz="2400" dirty="0">
+                <a:solidFill>
+                  <a:schemeClr val="bg1"/>
+                </a:solidFill>
+              </a:rPr>
+              <a:t> – Narrative Utility</a:t>
+            </a:r>
+          </a:p>
+          <a:p>
+            <a:r>
+              <a:rPr lang="en-US" sz="2400" dirty="0">
+                <a:solidFill>
+                  <a:schemeClr val="bg1"/>
+                </a:solidFill>
+              </a:rPr>
+              <a:t>Drew Concha – Sound Design</a:t>
+            </a:r>
+          </a:p>
+          <a:p>
+            <a:r>
+              <a:rPr lang="en-US" sz="2400" dirty="0">
+                <a:solidFill>
+                  <a:schemeClr val="bg1"/>
+                </a:solidFill>
+              </a:rPr>
+              <a:t>Jayme Skaggs – Art</a:t>
+            </a:r>
+          </a:p>
+        </p:txBody>
+      </p:sp>
     </p:spTree>
     <p:extLst>
       <p:ext uri="{BB962C8B-B14F-4D97-AF65-F5344CB8AC3E}">
-        <p14:creationId xmlns:p14="http://schemas.microsoft.com/office/powerpoint/2010/main" val="216644253"/>
+        <p14:creationId xmlns:p14="http://schemas.microsoft.com/office/powerpoint/2010/main" val="2169054899"/>
       </p:ext>
     </p:extLst>
   </p:cSld>
@@ -4702,17 +4891,17 @@
                   <a:schemeClr val="bg1"/>
                 </a:solidFill>
               </a:rPr>
-              <a:t>The Pitch</a:t>
-            </a:r>
-          </a:p>
-        </p:txBody>
-      </p:sp>
-      <p:sp>
-        <p:nvSpPr>
-          <p:cNvPr id="3" name="Content Placeholder 2">
+              <a:t>The Concept</a:t>
+            </a:r>
+          </a:p>
+        </p:txBody>
+      </p:sp>
+      <p:sp>
+        <p:nvSpPr>
+          <p:cNvPr id="9" name="Content Placeholder 8">
             <a:extLst>
               <a:ext uri="{FF2B5EF4-FFF2-40B4-BE49-F238E27FC236}">
-                <a16:creationId xmlns:a16="http://schemas.microsoft.com/office/drawing/2014/main" id="{C1AF9E8C-E80C-43BD-B5F8-B55372535F86}"/>
+                <a16:creationId xmlns:a16="http://schemas.microsoft.com/office/drawing/2014/main" id="{E967A144-90D9-41FC-9E53-0111BDDAD713}"/>
               </a:ext>
             </a:extLst>
           </p:cNvPr>
@@ -4723,12 +4912,7 @@
             <p:ph idx="1"/>
           </p:nvPr>
         </p:nvSpPr>
-        <p:spPr>
-          <a:xfrm>
-            <a:off x="1097280" y="1845734"/>
-            <a:ext cx="10058400" cy="4023360"/>
-          </a:xfrm>
-        </p:spPr>
+        <p:spPr/>
         <p:txBody>
           <a:bodyPr>
             <a:normAutofit/>
@@ -4741,17 +4925,27 @@
                   <a:schemeClr val="bg1"/>
                 </a:solidFill>
               </a:rPr>
-              <a:t>Shake, swap, and steal your way to the best haul in this exciting new mobile game about opening the best presents. Rattle the package to hear what’s inside, inspect the outside, and make your best judgement as to what’s inside, but beware, it’s not always what you think.</a:t>
+              <a:t>We are a (mostly) 2D mobile game.</a:t>
+            </a:r>
+          </a:p>
+          <a:p>
+            <a:r>
+              <a:rPr lang="en-US" sz="2400" dirty="0">
+                <a:solidFill>
+                  <a:schemeClr val="bg1"/>
+                </a:solidFill>
+              </a:rPr>
+              <a:t>Based around a wacky gift exchange.</a:t>
             </a:r>
           </a:p>
         </p:txBody>
       </p:sp>
       <p:pic>
         <p:nvPicPr>
-          <p:cNvPr id="5" name="Graphic 4" descr="Game controller">
+          <p:cNvPr id="5" name="Picture 4">
             <a:extLst>
               <a:ext uri="{FF2B5EF4-FFF2-40B4-BE49-F238E27FC236}">
-                <a16:creationId xmlns:a16="http://schemas.microsoft.com/office/drawing/2014/main" id="{3DDA560B-B447-4D84-9F96-382113093280}"/>
+                <a16:creationId xmlns:a16="http://schemas.microsoft.com/office/drawing/2014/main" id="{6A44569A-0797-48EA-A00B-5C87A275492E}"/>
               </a:ext>
             </a:extLst>
           </p:cNvPr>
@@ -4761,21 +4955,15 @@
           <p:nvPr/>
         </p:nvPicPr>
         <p:blipFill>
-          <a:blip r:embed="rId3">
-            <a:extLst>
-              <a:ext uri="{96DAC541-7B7A-43D3-8B79-37D633B846F1}">
-                <asvg:svgBlip xmlns:asvg="http://schemas.microsoft.com/office/drawing/2016/SVG/main" r:embed="rId4"/>
-              </a:ext>
-            </a:extLst>
-          </a:blip>
+          <a:blip r:embed="rId3"/>
           <a:stretch>
             <a:fillRect/>
           </a:stretch>
         </p:blipFill>
         <p:spPr>
           <a:xfrm>
-            <a:off x="9418320" y="4131734"/>
-            <a:ext cx="1737360" cy="1737360"/>
+            <a:off x="6674732" y="4201694"/>
+            <a:ext cx="4480948" cy="1667400"/>
           </a:xfrm>
           <a:prstGeom prst="rect">
             <a:avLst/>
@@ -4785,7 +4973,7 @@
     </p:spTree>
     <p:extLst>
       <p:ext uri="{BB962C8B-B14F-4D97-AF65-F5344CB8AC3E}">
-        <p14:creationId xmlns:p14="http://schemas.microsoft.com/office/powerpoint/2010/main" val="2221880814"/>
+        <p14:creationId xmlns:p14="http://schemas.microsoft.com/office/powerpoint/2010/main" val="216644253"/>
       </p:ext>
     </p:extLst>
   </p:cSld>
@@ -4828,7 +5016,7 @@
           <p:cNvPr id="2" name="Title 1">
             <a:extLst>
               <a:ext uri="{FF2B5EF4-FFF2-40B4-BE49-F238E27FC236}">
-                <a16:creationId xmlns:a16="http://schemas.microsoft.com/office/drawing/2014/main" id="{9DCEDE46-3034-48C3-83AC-18377EDC5D57}"/>
+                <a16:creationId xmlns:a16="http://schemas.microsoft.com/office/drawing/2014/main" id="{EE7ED093-0D4B-4982-B474-1E83A5E5B28C}"/>
               </a:ext>
             </a:extLst>
           </p:cNvPr>
@@ -4850,7 +5038,7 @@
                   <a:schemeClr val="bg1"/>
                 </a:solidFill>
               </a:rPr>
-              <a:t>Core Experience</a:t>
+              <a:t>The Pitch</a:t>
             </a:r>
           </a:p>
         </p:txBody>
@@ -4860,7 +5048,7 @@
           <p:cNvPr id="3" name="Content Placeholder 2">
             <a:extLst>
               <a:ext uri="{FF2B5EF4-FFF2-40B4-BE49-F238E27FC236}">
-                <a16:creationId xmlns:a16="http://schemas.microsoft.com/office/drawing/2014/main" id="{0A215C2D-1A60-4898-9E77-A44AF9A3FEEC}"/>
+                <a16:creationId xmlns:a16="http://schemas.microsoft.com/office/drawing/2014/main" id="{C1AF9E8C-E80C-43BD-B5F8-B55372535F86}"/>
               </a:ext>
             </a:extLst>
           </p:cNvPr>
@@ -4871,7 +5059,12 @@
             <p:ph idx="1"/>
           </p:nvPr>
         </p:nvSpPr>
-        <p:spPr/>
+        <p:spPr>
+          <a:xfrm>
+            <a:off x="1097280" y="1845734"/>
+            <a:ext cx="10058400" cy="4023360"/>
+          </a:xfrm>
+        </p:spPr>
         <p:txBody>
           <a:bodyPr>
             <a:normAutofit/>
@@ -4884,15 +5077,45 @@
                   <a:schemeClr val="bg1"/>
                 </a:solidFill>
               </a:rPr>
-              <a:t>Excitement of participating in a wacky present swap where anything is possible.</a:t>
-            </a:r>
-          </a:p>
-        </p:txBody>
-      </p:sp>
+              <a:t>Shake, swap, and steal your way to the best haul in this exciting new mobile game about opening the best presents. Rattle the package to hear what’s inside, inspect the outside, and make your best judgement as to what’s inside, but beware, it’s not always what you think.</a:t>
+            </a:r>
+          </a:p>
+        </p:txBody>
+      </p:sp>
+      <p:pic>
+        <p:nvPicPr>
+          <p:cNvPr id="5" name="Picture 4">
+            <a:extLst>
+              <a:ext uri="{FF2B5EF4-FFF2-40B4-BE49-F238E27FC236}">
+                <a16:creationId xmlns:a16="http://schemas.microsoft.com/office/drawing/2014/main" id="{AB613A26-3366-4372-91E5-1D8A0076AA0E}"/>
+              </a:ext>
+            </a:extLst>
+          </p:cNvPr>
+          <p:cNvPicPr>
+            <a:picLocks noChangeAspect="1"/>
+          </p:cNvPicPr>
+          <p:nvPr/>
+        </p:nvPicPr>
+        <p:blipFill>
+          <a:blip r:embed="rId3"/>
+          <a:stretch>
+            <a:fillRect/>
+          </a:stretch>
+        </p:blipFill>
+        <p:spPr>
+          <a:xfrm>
+            <a:off x="6989131" y="4287583"/>
+            <a:ext cx="4166549" cy="1581511"/>
+          </a:xfrm>
+          <a:prstGeom prst="rect">
+            <a:avLst/>
+          </a:prstGeom>
+        </p:spPr>
+      </p:pic>
     </p:spTree>
     <p:extLst>
       <p:ext uri="{BB962C8B-B14F-4D97-AF65-F5344CB8AC3E}">
-        <p14:creationId xmlns:p14="http://schemas.microsoft.com/office/powerpoint/2010/main" val="1216296103"/>
+        <p14:creationId xmlns:p14="http://schemas.microsoft.com/office/powerpoint/2010/main" val="2221880814"/>
       </p:ext>
     </p:extLst>
   </p:cSld>
@@ -4957,7 +5180,7 @@
                   <a:schemeClr val="bg1"/>
                 </a:solidFill>
               </a:rPr>
-              <a:t>Basic Mechanics</a:t>
+              <a:t>Core Experience</a:t>
             </a:r>
           </a:p>
         </p:txBody>
@@ -4991,88 +5214,45 @@
                   <a:schemeClr val="bg1"/>
                 </a:solidFill>
               </a:rPr>
-              <a:t>Receive</a:t>
-            </a:r>
-          </a:p>
-          <a:p>
-            <a:pPr lvl="1"/>
-            <a:r>
-              <a:rPr lang="en-US" sz="2200" dirty="0">
-                <a:solidFill>
-                  <a:schemeClr val="bg1"/>
-                </a:solidFill>
-              </a:rPr>
-              <a:t>Visuals</a:t>
-            </a:r>
-            <a:endParaRPr lang="en-US" sz="2400" dirty="0">
-              <a:solidFill>
-                <a:schemeClr val="bg1"/>
-              </a:solidFill>
-            </a:endParaRPr>
-          </a:p>
-          <a:p>
-            <a:pPr lvl="1"/>
-            <a:r>
-              <a:rPr lang="en-US" sz="2200" dirty="0">
-                <a:solidFill>
-                  <a:schemeClr val="bg1"/>
-                </a:solidFill>
-              </a:rPr>
-              <a:t>Vibration</a:t>
-            </a:r>
-          </a:p>
-          <a:p>
-            <a:r>
-              <a:rPr lang="en-US" sz="2400" dirty="0">
-                <a:solidFill>
-                  <a:schemeClr val="bg1"/>
-                </a:solidFill>
-              </a:rPr>
-              <a:t>Shake</a:t>
-            </a:r>
-          </a:p>
-          <a:p>
-            <a:pPr lvl="1"/>
-            <a:r>
-              <a:rPr lang="en-US" sz="2200" dirty="0">
-                <a:solidFill>
-                  <a:schemeClr val="bg1"/>
-                </a:solidFill>
-              </a:rPr>
-              <a:t>Sound</a:t>
-            </a:r>
-          </a:p>
-          <a:p>
-            <a:r>
-              <a:rPr lang="en-US" sz="2400" dirty="0">
-                <a:solidFill>
-                  <a:schemeClr val="bg1"/>
-                </a:solidFill>
-              </a:rPr>
-              <a:t>Pass gift</a:t>
-            </a:r>
-            <a:endParaRPr lang="en-US" sz="2200" dirty="0">
-              <a:solidFill>
-                <a:schemeClr val="bg1"/>
-              </a:solidFill>
-            </a:endParaRPr>
-          </a:p>
-          <a:p>
-            <a:r>
-              <a:rPr lang="en-US" sz="2400" dirty="0">
-                <a:solidFill>
-                  <a:schemeClr val="bg1"/>
-                </a:solidFill>
-              </a:rPr>
-              <a:t>Keep gift</a:t>
-            </a:r>
-          </a:p>
-        </p:txBody>
-      </p:sp>
+              <a:t>Excitement of participating in a wacky present swap where anything is possible.</a:t>
+            </a:r>
+          </a:p>
+        </p:txBody>
+      </p:sp>
+      <p:pic>
+        <p:nvPicPr>
+          <p:cNvPr id="4" name="Picture 3">
+            <a:extLst>
+              <a:ext uri="{FF2B5EF4-FFF2-40B4-BE49-F238E27FC236}">
+                <a16:creationId xmlns:a16="http://schemas.microsoft.com/office/drawing/2014/main" id="{0CA15816-BD23-407F-8D20-27A1155181EA}"/>
+              </a:ext>
+            </a:extLst>
+          </p:cNvPr>
+          <p:cNvPicPr>
+            <a:picLocks noChangeAspect="1"/>
+          </p:cNvPicPr>
+          <p:nvPr/>
+        </p:nvPicPr>
+        <p:blipFill>
+          <a:blip r:embed="rId2"/>
+          <a:stretch>
+            <a:fillRect/>
+          </a:stretch>
+        </p:blipFill>
+        <p:spPr>
+          <a:xfrm>
+            <a:off x="6572577" y="2595449"/>
+            <a:ext cx="4583103" cy="3273645"/>
+          </a:xfrm>
+          <a:prstGeom prst="rect">
+            <a:avLst/>
+          </a:prstGeom>
+        </p:spPr>
+      </p:pic>
     </p:spTree>
     <p:extLst>
       <p:ext uri="{BB962C8B-B14F-4D97-AF65-F5344CB8AC3E}">
-        <p14:creationId xmlns:p14="http://schemas.microsoft.com/office/powerpoint/2010/main" val="4170413060"/>
+        <p14:creationId xmlns:p14="http://schemas.microsoft.com/office/powerpoint/2010/main" val="1216296103"/>
       </p:ext>
     </p:extLst>
   </p:cSld>
@@ -5115,7 +5295,7 @@
           <p:cNvPr id="2" name="Title 1">
             <a:extLst>
               <a:ext uri="{FF2B5EF4-FFF2-40B4-BE49-F238E27FC236}">
-                <a16:creationId xmlns:a16="http://schemas.microsoft.com/office/drawing/2014/main" id="{D8CA265A-F89B-4754-AAF6-46EB33503C7C}"/>
+                <a16:creationId xmlns:a16="http://schemas.microsoft.com/office/drawing/2014/main" id="{9DCEDE46-3034-48C3-83AC-18377EDC5D57}"/>
               </a:ext>
             </a:extLst>
           </p:cNvPr>
@@ -5137,7 +5317,7 @@
                   <a:schemeClr val="bg1"/>
                 </a:solidFill>
               </a:rPr>
-              <a:t>Reference Games</a:t>
+              <a:t>Basic Mechanics</a:t>
             </a:r>
           </a:p>
         </p:txBody>
@@ -5147,7 +5327,7 @@
           <p:cNvPr id="3" name="Content Placeholder 2">
             <a:extLst>
               <a:ext uri="{FF2B5EF4-FFF2-40B4-BE49-F238E27FC236}">
-                <a16:creationId xmlns:a16="http://schemas.microsoft.com/office/drawing/2014/main" id="{B639907E-72F4-46CA-A4AB-45E19789FE45}"/>
+                <a16:creationId xmlns:a16="http://schemas.microsoft.com/office/drawing/2014/main" id="{0A215C2D-1A60-4898-9E77-A44AF9A3FEEC}"/>
               </a:ext>
             </a:extLst>
           </p:cNvPr>
@@ -5158,12 +5338,7 @@
             <p:ph idx="1"/>
           </p:nvPr>
         </p:nvSpPr>
-        <p:spPr>
-          <a:xfrm>
-            <a:off x="1097280" y="1845734"/>
-            <a:ext cx="10058400" cy="4023360"/>
-          </a:xfrm>
-        </p:spPr>
+        <p:spPr/>
         <p:txBody>
           <a:bodyPr>
             <a:normAutofit/>
@@ -5176,78 +5351,118 @@
                   <a:schemeClr val="bg1"/>
                 </a:solidFill>
               </a:rPr>
-              <a:t>Space Team, Exploding Kittens, </a:t>
-            </a:r>
-            <a:r>
-              <a:rPr lang="en-US" sz="2400" dirty="0" err="1">
+              <a:t>Receive</a:t>
+            </a:r>
+          </a:p>
+          <a:p>
+            <a:pPr lvl="1"/>
+            <a:r>
+              <a:rPr lang="en-US" sz="2200" dirty="0">
                 <a:solidFill>
                   <a:schemeClr val="bg1"/>
                 </a:solidFill>
               </a:rPr>
-              <a:t>Jackbox</a:t>
-            </a:r>
+              <a:t>Visuals</a:t>
+            </a:r>
+            <a:endParaRPr lang="en-US" sz="2400" dirty="0">
+              <a:solidFill>
+                <a:schemeClr val="bg1"/>
+              </a:solidFill>
+            </a:endParaRPr>
+          </a:p>
+          <a:p>
+            <a:pPr lvl="1"/>
+            <a:r>
+              <a:rPr lang="en-US" sz="2200" dirty="0">
+                <a:solidFill>
+                  <a:schemeClr val="bg1"/>
+                </a:solidFill>
+              </a:rPr>
+              <a:t>Vibration</a:t>
+            </a:r>
+          </a:p>
+          <a:p>
             <a:r>
               <a:rPr lang="en-US" sz="2400" dirty="0">
                 <a:solidFill>
                   <a:schemeClr val="bg1"/>
                 </a:solidFill>
               </a:rPr>
-              <a:t> Games</a:t>
+              <a:t>Shake</a:t>
+            </a:r>
+          </a:p>
+          <a:p>
+            <a:pPr lvl="1"/>
+            <a:r>
+              <a:rPr lang="en-US" sz="2200" dirty="0">
+                <a:solidFill>
+                  <a:schemeClr val="bg1"/>
+                </a:solidFill>
+              </a:rPr>
+              <a:t>Sound</a:t>
+            </a:r>
+          </a:p>
+          <a:p>
+            <a:r>
+              <a:rPr lang="en-US" sz="2400" dirty="0">
+                <a:solidFill>
+                  <a:schemeClr val="bg1"/>
+                </a:solidFill>
+              </a:rPr>
+              <a:t>Pass gift</a:t>
+            </a:r>
+            <a:endParaRPr lang="en-US" sz="2200" dirty="0">
+              <a:solidFill>
+                <a:schemeClr val="bg1"/>
+              </a:solidFill>
+            </a:endParaRPr>
+          </a:p>
+          <a:p>
+            <a:r>
+              <a:rPr lang="en-US" sz="2400" dirty="0">
+                <a:solidFill>
+                  <a:schemeClr val="bg1"/>
+                </a:solidFill>
+              </a:rPr>
+              <a:t>Keep gift</a:t>
             </a:r>
           </a:p>
         </p:txBody>
       </p:sp>
       <p:pic>
         <p:nvPicPr>
-          <p:cNvPr id="1030" name="Picture 6" descr="Image result for space team">
+          <p:cNvPr id="6" name="Picture 5">
             <a:extLst>
               <a:ext uri="{FF2B5EF4-FFF2-40B4-BE49-F238E27FC236}">
-                <a16:creationId xmlns:a16="http://schemas.microsoft.com/office/drawing/2014/main" id="{F98A5EEB-F39E-43B4-B1B2-02563F81177B}"/>
+                <a16:creationId xmlns:a16="http://schemas.microsoft.com/office/drawing/2014/main" id="{2DF97F05-D236-47B6-A0A1-15D228CA6AE1}"/>
               </a:ext>
             </a:extLst>
           </p:cNvPr>
           <p:cNvPicPr>
-            <a:picLocks noChangeAspect="1" noChangeArrowheads="1"/>
+            <a:picLocks noChangeAspect="1"/>
           </p:cNvPicPr>
           <p:nvPr/>
         </p:nvPicPr>
         <p:blipFill>
-          <a:blip r:embed="rId2">
-            <a:extLst>
-              <a:ext uri="{28A0092B-C50C-407E-A947-70E740481C1C}">
-                <a14:useLocalDpi xmlns:a14="http://schemas.microsoft.com/office/drawing/2010/main" val="0"/>
-              </a:ext>
-            </a:extLst>
-          </a:blip>
-          <a:srcRect/>
+          <a:blip r:embed="rId2"/>
           <a:stretch>
             <a:fillRect/>
           </a:stretch>
         </p:blipFill>
-        <p:spPr bwMode="auto">
+        <p:spPr>
           <a:xfrm>
-            <a:off x="1097280" y="2354621"/>
-            <a:ext cx="7116589" cy="3514473"/>
+            <a:off x="7955274" y="3583090"/>
+            <a:ext cx="3200406" cy="2286004"/>
           </a:xfrm>
           <a:prstGeom prst="rect">
             <a:avLst/>
           </a:prstGeom>
-          <a:noFill/>
-          <a:extLst>
-            <a:ext uri="{909E8E84-426E-40DD-AFC4-6F175D3DCCD1}">
-              <a14:hiddenFill xmlns:a14="http://schemas.microsoft.com/office/drawing/2010/main">
-                <a:solidFill>
-                  <a:srgbClr val="FFFFFF"/>
-                </a:solidFill>
-              </a14:hiddenFill>
-            </a:ext>
-          </a:extLst>
         </p:spPr>
       </p:pic>
     </p:spTree>
     <p:extLst>
       <p:ext uri="{BB962C8B-B14F-4D97-AF65-F5344CB8AC3E}">
-        <p14:creationId xmlns:p14="http://schemas.microsoft.com/office/powerpoint/2010/main" val="344334568"/>
+        <p14:creationId xmlns:p14="http://schemas.microsoft.com/office/powerpoint/2010/main" val="4170413060"/>
       </p:ext>
     </p:extLst>
   </p:cSld>
@@ -5290,7 +5505,7 @@
           <p:cNvPr id="2" name="Title 1">
             <a:extLst>
               <a:ext uri="{FF2B5EF4-FFF2-40B4-BE49-F238E27FC236}">
-                <a16:creationId xmlns:a16="http://schemas.microsoft.com/office/drawing/2014/main" id="{D8CA265A-F89B-4754-AAF6-46EB33503C7C}"/>
+                <a16:creationId xmlns:a16="http://schemas.microsoft.com/office/drawing/2014/main" id="{9DCEDE46-3034-48C3-83AC-18377EDC5D57}"/>
               </a:ext>
             </a:extLst>
           </p:cNvPr>
@@ -5312,7 +5527,7 @@
                   <a:schemeClr val="bg1"/>
                 </a:solidFill>
               </a:rPr>
-              <a:t>Questions?</a:t>
+              <a:t>What’s New</a:t>
             </a:r>
           </a:p>
         </p:txBody>
@@ -5322,7 +5537,7 @@
           <p:cNvPr id="3" name="Content Placeholder 2">
             <a:extLst>
               <a:ext uri="{FF2B5EF4-FFF2-40B4-BE49-F238E27FC236}">
-                <a16:creationId xmlns:a16="http://schemas.microsoft.com/office/drawing/2014/main" id="{B639907E-72F4-46CA-A4AB-45E19789FE45}"/>
+                <a16:creationId xmlns:a16="http://schemas.microsoft.com/office/drawing/2014/main" id="{0A215C2D-1A60-4898-9E77-A44AF9A3FEEC}"/>
               </a:ext>
             </a:extLst>
           </p:cNvPr>
@@ -5333,32 +5548,73 @@
             <p:ph idx="1"/>
           </p:nvPr>
         </p:nvSpPr>
-        <p:spPr/>
+        <p:spPr>
+          <a:xfrm>
+            <a:off x="1097280" y="1845734"/>
+            <a:ext cx="10058400" cy="4023360"/>
+          </a:xfrm>
+        </p:spPr>
         <p:txBody>
           <a:bodyPr>
             <a:normAutofit/>
           </a:bodyPr>
           <a:lstStyle/>
           <a:p>
-            <a:endParaRPr lang="en-US" sz="2400" dirty="0">
-              <a:solidFill>
-                <a:schemeClr val="bg1"/>
-              </a:solidFill>
-            </a:endParaRPr>
+            <a:r>
+              <a:rPr lang="en-US" sz="2400" strike="sngStrike" dirty="0">
+                <a:solidFill>
+                  <a:schemeClr val="bg1"/>
+                </a:solidFill>
+              </a:rPr>
+              <a:t>Networking.</a:t>
+            </a:r>
+          </a:p>
+          <a:p>
+            <a:r>
+              <a:rPr lang="en-US" sz="2400" dirty="0">
+                <a:solidFill>
+                  <a:schemeClr val="bg1"/>
+                </a:solidFill>
+              </a:rPr>
+              <a:t>New Art Style</a:t>
+            </a:r>
+          </a:p>
+          <a:p>
+            <a:pPr marL="0" indent="0">
+              <a:buNone/>
+            </a:pPr>
+            <a:r>
+              <a:rPr lang="en-US" sz="2400" dirty="0">
+                <a:solidFill>
+                  <a:schemeClr val="bg1"/>
+                </a:solidFill>
+              </a:rPr>
+              <a:t> Sounds</a:t>
+            </a:r>
+          </a:p>
+          <a:p>
+            <a:r>
+              <a:rPr lang="en-US" sz="2400" dirty="0">
+                <a:solidFill>
+                  <a:schemeClr val="bg1"/>
+                </a:solidFill>
+              </a:rPr>
+              <a:t>Menus</a:t>
+            </a:r>
           </a:p>
         </p:txBody>
       </p:sp>
       <p:pic>
         <p:nvPicPr>
-          <p:cNvPr id="3074" name="Picture 2" descr="Related image">
+          <p:cNvPr id="1030" name="Picture 6" descr="https://lh3.googleusercontent.com/yeI6sY-nqvvVMK1CW3wFJ7IyAZQC2MknoaeThpqDk4YSu2m6UO8O7RwRvLznQSpv5Wrhq18etqZwib7hgePohmHWtMlYOK_RTstoKczJJ3ktV1caD2kOcJGYM538SwJ2xXYs-9fkM-Y">
             <a:extLst>
               <a:ext uri="{FF2B5EF4-FFF2-40B4-BE49-F238E27FC236}">
-                <a16:creationId xmlns:a16="http://schemas.microsoft.com/office/drawing/2014/main" id="{8018C5FF-A37F-4CD9-9660-02D666F19AE3}"/>
+                <a16:creationId xmlns:a16="http://schemas.microsoft.com/office/drawing/2014/main" id="{54635821-9AEE-48F0-B525-C80AC70C170C}"/>
               </a:ext>
             </a:extLst>
           </p:cNvPr>
           <p:cNvPicPr>
-            <a:picLocks noChangeAspect="1" noChangeArrowheads="1"/>
+            <a:picLocks noChangeAspect="1" noChangeArrowheads="1" noCrop="1"/>
           </p:cNvPicPr>
           <p:nvPr/>
         </p:nvPicPr>
@@ -5377,8 +5633,8 @@
         </p:blipFill>
         <p:spPr bwMode="auto">
           <a:xfrm>
-            <a:off x="8567469" y="3280883"/>
-            <a:ext cx="2588211" cy="2588211"/>
+            <a:off x="7924800" y="3429000"/>
+            <a:ext cx="4267200" cy="3429000"/>
           </a:xfrm>
           <a:prstGeom prst="rect">
             <a:avLst/>
@@ -5395,6 +5651,351 @@
           </a:extLst>
         </p:spPr>
       </p:pic>
+    </p:spTree>
+    <p:extLst>
+      <p:ext uri="{BB962C8B-B14F-4D97-AF65-F5344CB8AC3E}">
+        <p14:creationId xmlns:p14="http://schemas.microsoft.com/office/powerpoint/2010/main" val="2377556697"/>
+      </p:ext>
+    </p:extLst>
+  </p:cSld>
+  <p:clrMapOvr>
+    <a:masterClrMapping/>
+  </p:clrMapOvr>
+</p:sld>
+</file>
+
+<file path=ppt/slides/slide8.xml><?xml version="1.0" encoding="utf-8"?>
+<p:sld xmlns:a="http://schemas.openxmlformats.org/drawingml/2006/main" xmlns:r="http://schemas.openxmlformats.org/officeDocument/2006/relationships" xmlns:p="http://schemas.openxmlformats.org/presentationml/2006/main">
+  <p:cSld>
+    <p:bg>
+      <p:bgPr>
+        <a:solidFill>
+          <a:schemeClr val="tx1">
+            <a:lumMod val="85000"/>
+            <a:lumOff val="15000"/>
+          </a:schemeClr>
+        </a:solidFill>
+        <a:effectLst/>
+      </p:bgPr>
+    </p:bg>
+    <p:spTree>
+      <p:nvGrpSpPr>
+        <p:cNvPr id="1" name=""/>
+        <p:cNvGrpSpPr/>
+        <p:nvPr/>
+      </p:nvGrpSpPr>
+      <p:grpSpPr>
+        <a:xfrm>
+          <a:off x="0" y="0"/>
+          <a:ext cx="0" cy="0"/>
+          <a:chOff x="0" y="0"/>
+          <a:chExt cx="0" cy="0"/>
+        </a:xfrm>
+      </p:grpSpPr>
+      <p:sp>
+        <p:nvSpPr>
+          <p:cNvPr id="2" name="Title 1">
+            <a:extLst>
+              <a:ext uri="{FF2B5EF4-FFF2-40B4-BE49-F238E27FC236}">
+                <a16:creationId xmlns:a16="http://schemas.microsoft.com/office/drawing/2014/main" id="{9DCEDE46-3034-48C3-83AC-18377EDC5D57}"/>
+              </a:ext>
+            </a:extLst>
+          </p:cNvPr>
+          <p:cNvSpPr>
+            <a:spLocks noGrp="1"/>
+          </p:cNvSpPr>
+          <p:nvPr>
+            <p:ph type="title"/>
+          </p:nvPr>
+        </p:nvSpPr>
+        <p:spPr/>
+        <p:txBody>
+          <a:bodyPr/>
+          <a:lstStyle/>
+          <a:p>
+            <a:endParaRPr lang="en-US" dirty="0">
+              <a:solidFill>
+                <a:schemeClr val="bg1"/>
+              </a:solidFill>
+            </a:endParaRPr>
+          </a:p>
+        </p:txBody>
+      </p:sp>
+      <p:pic>
+        <p:nvPicPr>
+          <p:cNvPr id="4" name="Trailer">
+            <a:hlinkClick r:id="" action="ppaction://media"/>
+            <a:extLst>
+              <a:ext uri="{FF2B5EF4-FFF2-40B4-BE49-F238E27FC236}">
+                <a16:creationId xmlns:a16="http://schemas.microsoft.com/office/drawing/2014/main" id="{8E5D0D4D-B89B-4470-ACD8-072A0092BF65}"/>
+              </a:ext>
+            </a:extLst>
+          </p:cNvPr>
+          <p:cNvPicPr>
+            <a:picLocks noGrp="1" noChangeAspect="1"/>
+          </p:cNvPicPr>
+          <p:nvPr>
+            <p:ph idx="1"/>
+            <a:videoFile r:link="rId2"/>
+            <p:extLst>
+              <p:ext uri="{DAA4B4D4-6D71-4841-9C94-3DE7FCFB9230}">
+                <p14:media xmlns:p14="http://schemas.microsoft.com/office/powerpoint/2010/main" r:embed="rId1"/>
+              </p:ext>
+            </p:extLst>
+          </p:nvPr>
+        </p:nvPicPr>
+        <p:blipFill>
+          <a:blip r:embed="rId4"/>
+          <a:stretch>
+            <a:fillRect/>
+          </a:stretch>
+        </p:blipFill>
+        <p:spPr>
+          <a:xfrm>
+            <a:off x="0" y="0"/>
+            <a:ext cx="12192000" cy="6857830"/>
+          </a:xfrm>
+        </p:spPr>
+      </p:pic>
+    </p:spTree>
+    <p:extLst>
+      <p:ext uri="{BB962C8B-B14F-4D97-AF65-F5344CB8AC3E}">
+        <p14:creationId xmlns:p14="http://schemas.microsoft.com/office/powerpoint/2010/main" val="1729291092"/>
+      </p:ext>
+    </p:extLst>
+  </p:cSld>
+  <p:clrMapOvr>
+    <a:masterClrMapping/>
+  </p:clrMapOvr>
+  <p:timing>
+    <p:tnLst>
+      <p:par>
+        <p:cTn id="1" dur="indefinite" restart="never" nodeType="tmRoot">
+          <p:childTnLst>
+            <p:seq concurrent="1" nextAc="seek">
+              <p:cTn id="2" dur="indefinite" nodeType="mainSeq">
+                <p:childTnLst>
+                  <p:par>
+                    <p:cTn id="3" fill="hold">
+                      <p:stCondLst>
+                        <p:cond delay="indefinite"/>
+                      </p:stCondLst>
+                      <p:childTnLst>
+                        <p:par>
+                          <p:cTn id="4" fill="hold">
+                            <p:stCondLst>
+                              <p:cond delay="0"/>
+                            </p:stCondLst>
+                            <p:childTnLst>
+                              <p:par>
+                                <p:cTn id="5" presetID="1" presetClass="mediacall" presetSubtype="0" fill="hold" nodeType="clickEffect">
+                                  <p:stCondLst>
+                                    <p:cond delay="0"/>
+                                  </p:stCondLst>
+                                  <p:childTnLst>
+                                    <p:cmd type="call" cmd="playFrom(0.0)">
+                                      <p:cBhvr>
+                                        <p:cTn id="6" dur="20566" fill="hold"/>
+                                        <p:tgtEl>
+                                          <p:spTgt spid="4"/>
+                                        </p:tgtEl>
+                                      </p:cBhvr>
+                                    </p:cmd>
+                                  </p:childTnLst>
+                                </p:cTn>
+                              </p:par>
+                            </p:childTnLst>
+                          </p:cTn>
+                        </p:par>
+                      </p:childTnLst>
+                    </p:cTn>
+                  </p:par>
+                </p:childTnLst>
+              </p:cTn>
+              <p:prevCondLst>
+                <p:cond evt="onPrev" delay="0">
+                  <p:tgtEl>
+                    <p:sldTgt/>
+                  </p:tgtEl>
+                </p:cond>
+              </p:prevCondLst>
+              <p:nextCondLst>
+                <p:cond evt="onNext" delay="0">
+                  <p:tgtEl>
+                    <p:sldTgt/>
+                  </p:tgtEl>
+                </p:cond>
+              </p:nextCondLst>
+            </p:seq>
+            <p:video>
+              <p:cMediaNode vol="80000">
+                <p:cTn id="7" fill="hold" display="0">
+                  <p:stCondLst>
+                    <p:cond delay="indefinite"/>
+                  </p:stCondLst>
+                </p:cTn>
+                <p:tgtEl>
+                  <p:spTgt spid="4"/>
+                </p:tgtEl>
+              </p:cMediaNode>
+            </p:video>
+            <p:seq concurrent="1" nextAc="seek">
+              <p:cTn id="8" restart="whenNotActive" fill="hold" evtFilter="cancelBubble" nodeType="interactiveSeq">
+                <p:stCondLst>
+                  <p:cond evt="onClick" delay="0">
+                    <p:tgtEl>
+                      <p:spTgt spid="4"/>
+                    </p:tgtEl>
+                  </p:cond>
+                </p:stCondLst>
+                <p:endSync evt="end" delay="0">
+                  <p:rtn val="all"/>
+                </p:endSync>
+                <p:childTnLst>
+                  <p:par>
+                    <p:cTn id="9" fill="hold">
+                      <p:stCondLst>
+                        <p:cond delay="0"/>
+                      </p:stCondLst>
+                      <p:childTnLst>
+                        <p:par>
+                          <p:cTn id="10" fill="hold">
+                            <p:stCondLst>
+                              <p:cond delay="0"/>
+                            </p:stCondLst>
+                            <p:childTnLst>
+                              <p:par>
+                                <p:cTn id="11" presetID="2" presetClass="mediacall" presetSubtype="0" fill="hold" nodeType="clickEffect">
+                                  <p:stCondLst>
+                                    <p:cond delay="0"/>
+                                  </p:stCondLst>
+                                  <p:childTnLst>
+                                    <p:cmd type="call" cmd="togglePause">
+                                      <p:cBhvr>
+                                        <p:cTn id="12" dur="1" fill="hold"/>
+                                        <p:tgtEl>
+                                          <p:spTgt spid="4"/>
+                                        </p:tgtEl>
+                                      </p:cBhvr>
+                                    </p:cmd>
+                                  </p:childTnLst>
+                                </p:cTn>
+                              </p:par>
+                            </p:childTnLst>
+                          </p:cTn>
+                        </p:par>
+                      </p:childTnLst>
+                    </p:cTn>
+                  </p:par>
+                </p:childTnLst>
+              </p:cTn>
+              <p:nextCondLst>
+                <p:cond evt="onClick" delay="0">
+                  <p:tgtEl>
+                    <p:spTgt spid="4"/>
+                  </p:tgtEl>
+                </p:cond>
+              </p:nextCondLst>
+            </p:seq>
+          </p:childTnLst>
+        </p:cTn>
+      </p:par>
+    </p:tnLst>
+  </p:timing>
+</p:sld>
+</file>
+
+<file path=ppt/slides/slide9.xml><?xml version="1.0" encoding="utf-8"?>
+<p:sld xmlns:a="http://schemas.openxmlformats.org/drawingml/2006/main" xmlns:r="http://schemas.openxmlformats.org/officeDocument/2006/relationships" xmlns:p="http://schemas.openxmlformats.org/presentationml/2006/main">
+  <p:cSld>
+    <p:bg>
+      <p:bgPr>
+        <a:solidFill>
+          <a:schemeClr val="tx1">
+            <a:lumMod val="85000"/>
+            <a:lumOff val="15000"/>
+          </a:schemeClr>
+        </a:solidFill>
+        <a:effectLst/>
+      </p:bgPr>
+    </p:bg>
+    <p:spTree>
+      <p:nvGrpSpPr>
+        <p:cNvPr id="1" name=""/>
+        <p:cNvGrpSpPr/>
+        <p:nvPr/>
+      </p:nvGrpSpPr>
+      <p:grpSpPr>
+        <a:xfrm>
+          <a:off x="0" y="0"/>
+          <a:ext cx="0" cy="0"/>
+          <a:chOff x="0" y="0"/>
+          <a:chExt cx="0" cy="0"/>
+        </a:xfrm>
+      </p:grpSpPr>
+      <p:sp>
+        <p:nvSpPr>
+          <p:cNvPr id="2" name="Title 1">
+            <a:extLst>
+              <a:ext uri="{FF2B5EF4-FFF2-40B4-BE49-F238E27FC236}">
+                <a16:creationId xmlns:a16="http://schemas.microsoft.com/office/drawing/2014/main" id="{D8CA265A-F89B-4754-AAF6-46EB33503C7C}"/>
+              </a:ext>
+            </a:extLst>
+          </p:cNvPr>
+          <p:cNvSpPr>
+            <a:spLocks noGrp="1"/>
+          </p:cNvSpPr>
+          <p:nvPr>
+            <p:ph type="title"/>
+          </p:nvPr>
+        </p:nvSpPr>
+        <p:spPr/>
+        <p:txBody>
+          <a:bodyPr/>
+          <a:lstStyle/>
+          <a:p>
+            <a:r>
+              <a:rPr lang="en-US" dirty="0">
+                <a:solidFill>
+                  <a:schemeClr val="bg1"/>
+                </a:solidFill>
+              </a:rPr>
+              <a:t>Questions?</a:t>
+            </a:r>
+          </a:p>
+        </p:txBody>
+      </p:sp>
+      <p:sp>
+        <p:nvSpPr>
+          <p:cNvPr id="3" name="Content Placeholder 2">
+            <a:extLst>
+              <a:ext uri="{FF2B5EF4-FFF2-40B4-BE49-F238E27FC236}">
+                <a16:creationId xmlns:a16="http://schemas.microsoft.com/office/drawing/2014/main" id="{B639907E-72F4-46CA-A4AB-45E19789FE45}"/>
+              </a:ext>
+            </a:extLst>
+          </p:cNvPr>
+          <p:cNvSpPr>
+            <a:spLocks noGrp="1"/>
+          </p:cNvSpPr>
+          <p:nvPr>
+            <p:ph idx="1"/>
+          </p:nvPr>
+        </p:nvSpPr>
+        <p:spPr/>
+        <p:txBody>
+          <a:bodyPr>
+            <a:normAutofit/>
+          </a:bodyPr>
+          <a:lstStyle/>
+          <a:p>
+            <a:endParaRPr lang="en-US" sz="2400" dirty="0">
+              <a:solidFill>
+                <a:schemeClr val="bg1"/>
+              </a:solidFill>
+            </a:endParaRPr>
+          </a:p>
+        </p:txBody>
+      </p:sp>
     </p:spTree>
     <p:extLst>
       <p:ext uri="{BB962C8B-B14F-4D97-AF65-F5344CB8AC3E}">

--- a/Docs/GiftGame101.pptx
+++ b/Docs/GiftGame101.pptx
@@ -5,18 +5,15 @@
     <p:sldMasterId id="2147483901" r:id="rId1"/>
   </p:sldMasterIdLst>
   <p:notesMasterIdLst>
-    <p:notesMasterId r:id="rId11"/>
+    <p:notesMasterId r:id="rId8"/>
   </p:notesMasterIdLst>
   <p:sldIdLst>
-    <p:sldId id="256" r:id="rId2"/>
-    <p:sldId id="269" r:id="rId3"/>
-    <p:sldId id="268" r:id="rId4"/>
-    <p:sldId id="257" r:id="rId5"/>
-    <p:sldId id="258" r:id="rId6"/>
-    <p:sldId id="267" r:id="rId7"/>
-    <p:sldId id="271" r:id="rId8"/>
-    <p:sldId id="270" r:id="rId9"/>
-    <p:sldId id="265" r:id="rId10"/>
+    <p:sldId id="269" r:id="rId2"/>
+    <p:sldId id="272" r:id="rId3"/>
+    <p:sldId id="271" r:id="rId4"/>
+    <p:sldId id="267" r:id="rId5"/>
+    <p:sldId id="270" r:id="rId6"/>
+    <p:sldId id="265" r:id="rId7"/>
   </p:sldIdLst>
   <p:sldSz cx="12192000" cy="6858000"/>
   <p:notesSz cx="6858000" cy="9144000"/>
@@ -257,7 +254,7 @@
           <a:p>
             <a:fld id="{10949AA3-934F-45B1-9867-9FE5B21EC5A7}" type="datetimeFigureOut">
               <a:rPr lang="en-US" smtClean="0"/>
-              <a:t>10/16/2018</a:t>
+              <a:t>10/17/2018</a:t>
             </a:fld>
             <a:endParaRPr lang="en-US"/>
           </a:p>
@@ -593,7 +590,7 @@
           <a:p>
             <a:fld id="{B8FCD53D-71F9-432A-9EEE-AB8B1A1FB2DC}" type="slidenum">
               <a:rPr lang="en-US" smtClean="0"/>
-              <a:t>2</a:t>
+              <a:t>1</a:t>
             </a:fld>
             <a:endParaRPr lang="en-US"/>
           </a:p>
@@ -681,7 +678,7 @@
           <a:p>
             <a:fld id="{B8FCD53D-71F9-432A-9EEE-AB8B1A1FB2DC}" type="slidenum">
               <a:rPr lang="en-US" smtClean="0"/>
-              <a:t>3</a:t>
+              <a:t>2</a:t>
             </a:fld>
             <a:endParaRPr lang="en-US"/>
           </a:p>
@@ -690,95 +687,7 @@
     </p:spTree>
     <p:extLst>
       <p:ext uri="{BB962C8B-B14F-4D97-AF65-F5344CB8AC3E}">
-        <p14:creationId xmlns:p14="http://schemas.microsoft.com/office/powerpoint/2010/main" val="3698034998"/>
-      </p:ext>
-    </p:extLst>
-  </p:cSld>
-  <p:clrMapOvr>
-    <a:masterClrMapping/>
-  </p:clrMapOvr>
-</p:notes>
-</file>
-
-<file path=ppt/notesSlides/notesSlide3.xml><?xml version="1.0" encoding="utf-8"?>
-<p:notes xmlns:a="http://schemas.openxmlformats.org/drawingml/2006/main" xmlns:r="http://schemas.openxmlformats.org/officeDocument/2006/relationships" xmlns:p="http://schemas.openxmlformats.org/presentationml/2006/main">
-  <p:cSld>
-    <p:spTree>
-      <p:nvGrpSpPr>
-        <p:cNvPr id="1" name=""/>
-        <p:cNvGrpSpPr/>
-        <p:nvPr/>
-      </p:nvGrpSpPr>
-      <p:grpSpPr>
-        <a:xfrm>
-          <a:off x="0" y="0"/>
-          <a:ext cx="0" cy="0"/>
-          <a:chOff x="0" y="0"/>
-          <a:chExt cx="0" cy="0"/>
-        </a:xfrm>
-      </p:grpSpPr>
-      <p:sp>
-        <p:nvSpPr>
-          <p:cNvPr id="2" name="Slide Image Placeholder 1"/>
-          <p:cNvSpPr>
-            <a:spLocks noGrp="1" noRot="1" noChangeAspect="1"/>
-          </p:cNvSpPr>
-          <p:nvPr>
-            <p:ph type="sldImg"/>
-          </p:nvPr>
-        </p:nvSpPr>
-        <p:spPr/>
-      </p:sp>
-      <p:sp>
-        <p:nvSpPr>
-          <p:cNvPr id="3" name="Notes Placeholder 2"/>
-          <p:cNvSpPr>
-            <a:spLocks noGrp="1"/>
-          </p:cNvSpPr>
-          <p:nvPr>
-            <p:ph type="body" idx="1"/>
-          </p:nvPr>
-        </p:nvSpPr>
-        <p:spPr/>
-        <p:txBody>
-          <a:bodyPr/>
-          <a:lstStyle/>
-          <a:p>
-            <a:endParaRPr lang="en-US" sz="1200" dirty="0">
-              <a:solidFill>
-                <a:schemeClr val="bg1"/>
-              </a:solidFill>
-            </a:endParaRPr>
-          </a:p>
-        </p:txBody>
-      </p:sp>
-      <p:sp>
-        <p:nvSpPr>
-          <p:cNvPr id="4" name="Slide Number Placeholder 3"/>
-          <p:cNvSpPr>
-            <a:spLocks noGrp="1"/>
-          </p:cNvSpPr>
-          <p:nvPr>
-            <p:ph type="sldNum" sz="quarter" idx="10"/>
-          </p:nvPr>
-        </p:nvSpPr>
-        <p:spPr/>
-        <p:txBody>
-          <a:bodyPr/>
-          <a:lstStyle/>
-          <a:p>
-            <a:fld id="{B8FCD53D-71F9-432A-9EEE-AB8B1A1FB2DC}" type="slidenum">
-              <a:rPr lang="en-US" smtClean="0"/>
-              <a:t>4</a:t>
-            </a:fld>
-            <a:endParaRPr lang="en-US"/>
-          </a:p>
-        </p:txBody>
-      </p:sp>
-    </p:spTree>
-    <p:extLst>
-      <p:ext uri="{BB962C8B-B14F-4D97-AF65-F5344CB8AC3E}">
-        <p14:creationId xmlns:p14="http://schemas.microsoft.com/office/powerpoint/2010/main" val="3683232378"/>
+        <p14:creationId xmlns:p14="http://schemas.microsoft.com/office/powerpoint/2010/main" val="3489139464"/>
       </p:ext>
     </p:extLst>
   </p:cSld>
@@ -1015,7 +924,7 @@
             <a:fld id="{08B9EBBA-996F-894A-B54A-D6246ED52CEA}" type="datetimeFigureOut">
               <a:rPr lang="en-US" smtClean="0"/>
               <a:pPr/>
-              <a:t>10/16/2018</a:t>
+              <a:t>10/17/2018</a:t>
             </a:fld>
             <a:endParaRPr lang="en-US" dirty="0"/>
           </a:p>
@@ -1225,7 +1134,7 @@
             <a:fld id="{C6C52C72-DE31-F449-A4ED-4C594FD91407}" type="datetimeFigureOut">
               <a:rPr lang="en-US" smtClean="0"/>
               <a:pPr/>
-              <a:t>10/16/2018</a:t>
+              <a:t>10/17/2018</a:t>
             </a:fld>
             <a:endParaRPr lang="en-US" dirty="0"/>
           </a:p>
@@ -1483,7 +1392,7 @@
             <a:fld id="{ED62726E-379B-B349-9EED-81ED093FA806}" type="datetimeFigureOut">
               <a:rPr lang="en-US" smtClean="0"/>
               <a:pPr/>
-              <a:t>10/16/2018</a:t>
+              <a:t>10/17/2018</a:t>
             </a:fld>
             <a:endParaRPr lang="en-US" dirty="0"/>
           </a:p>
@@ -1655,7 +1564,7 @@
             <a:fld id="{9B3A1323-8D79-1946-B0D7-40001CF92E9D}" type="datetimeFigureOut">
               <a:rPr lang="en-US" smtClean="0"/>
               <a:pPr/>
-              <a:t>10/16/2018</a:t>
+              <a:t>10/17/2018</a:t>
             </a:fld>
             <a:endParaRPr lang="en-US" dirty="0"/>
           </a:p>
@@ -2000,7 +1909,7 @@
             <a:fld id="{8DFA1846-DA80-1C48-A609-854EA85C59AD}" type="datetimeFigureOut">
               <a:rPr lang="en-US" smtClean="0"/>
               <a:pPr/>
-              <a:t>10/16/2018</a:t>
+              <a:t>10/17/2018</a:t>
             </a:fld>
             <a:endParaRPr lang="en-US" dirty="0"/>
           </a:p>
@@ -2277,7 +2186,7 @@
             <a:fld id="{57302355-E14B-8545-A8F8-0FE83CC9D524}" type="datetimeFigureOut">
               <a:rPr lang="en-US" smtClean="0"/>
               <a:pPr/>
-              <a:t>10/16/2018</a:t>
+              <a:t>10/17/2018</a:t>
             </a:fld>
             <a:endParaRPr lang="en-US" dirty="0"/>
           </a:p>
@@ -2658,7 +2567,7 @@
             <a:fld id="{02640F58-564D-2B4F-AE67-E407BA4FCF45}" type="datetimeFigureOut">
               <a:rPr lang="en-US" smtClean="0"/>
               <a:pPr/>
-              <a:t>10/16/2018</a:t>
+              <a:t>10/17/2018</a:t>
             </a:fld>
             <a:endParaRPr lang="en-US" dirty="0"/>
           </a:p>
@@ -2778,7 +2687,7 @@
             <a:fld id="{F13A34C8-038E-2045-AF43-DF7DBB8E0E9E}" type="datetimeFigureOut">
               <a:rPr lang="en-US" smtClean="0"/>
               <a:pPr/>
-              <a:t>10/16/2018</a:t>
+              <a:t>10/17/2018</a:t>
             </a:fld>
             <a:endParaRPr lang="en-US" dirty="0"/>
           </a:p>
@@ -2951,7 +2860,7 @@
             <a:fld id="{8818C68F-D26B-8F47-958C-23B49CF8A634}" type="datetimeFigureOut">
               <a:rPr lang="en-US" smtClean="0"/>
               <a:pPr/>
-              <a:t>10/16/2018</a:t>
+              <a:t>10/17/2018</a:t>
             </a:fld>
             <a:endParaRPr lang="en-US" dirty="0"/>
           </a:p>
@@ -3307,7 +3216,7 @@
             <a:fld id="{D0DF5E60-9974-AC48-9591-99C2BB44B7CF}" type="datetimeFigureOut">
               <a:rPr lang="en-US" smtClean="0"/>
               <a:pPr/>
-              <a:t>10/16/2018</a:t>
+              <a:t>10/17/2018</a:t>
             </a:fld>
             <a:endParaRPr lang="en-US" dirty="0"/>
           </a:p>
@@ -3686,7 +3595,7 @@
             <a:fld id="{18C79C5D-2A6F-F04D-97DA-BEF2467B64E4}" type="datetimeFigureOut">
               <a:rPr lang="en-US" smtClean="0"/>
               <a:pPr/>
-              <a:t>10/16/2018</a:t>
+              <a:t>10/17/2018</a:t>
             </a:fld>
             <a:endParaRPr lang="en-US" dirty="0"/>
           </a:p>
@@ -3975,7 +3884,7 @@
             <a:fld id="{09B482E8-6E0E-1B4F-B1FD-C69DB9E858D9}" type="datetimeFigureOut">
               <a:rPr lang="en-US" smtClean="0"/>
               <a:pPr/>
-              <a:t>10/16/2018</a:t>
+              <a:t>10/17/2018</a:t>
             </a:fld>
             <a:endParaRPr lang="en-US" dirty="0"/>
           </a:p>
@@ -4517,7 +4426,7 @@
           <p:cNvPr id="2" name="Title 1">
             <a:extLst>
               <a:ext uri="{FF2B5EF4-FFF2-40B4-BE49-F238E27FC236}">
-                <a16:creationId xmlns:a16="http://schemas.microsoft.com/office/drawing/2014/main" id="{C796235F-5673-4B82-80D1-084D73C2A66F}"/>
+                <a16:creationId xmlns:a16="http://schemas.microsoft.com/office/drawing/2014/main" id="{EE7ED093-0D4B-4982-B474-1E83A5E5B28C}"/>
               </a:ext>
             </a:extLst>
           </p:cNvPr>
@@ -4525,7 +4434,7 @@
             <a:spLocks noGrp="1"/>
           </p:cNvSpPr>
           <p:nvPr>
-            <p:ph type="ctrTitle"/>
+            <p:ph type="title"/>
           </p:nvPr>
         </p:nvSpPr>
         <p:spPr/>
@@ -4546,10 +4455,10 @@
       </p:sp>
       <p:sp>
         <p:nvSpPr>
-          <p:cNvPr id="3" name="Subtitle 2">
+          <p:cNvPr id="9" name="Content Placeholder 8">
             <a:extLst>
               <a:ext uri="{FF2B5EF4-FFF2-40B4-BE49-F238E27FC236}">
-                <a16:creationId xmlns:a16="http://schemas.microsoft.com/office/drawing/2014/main" id="{5626B076-94FE-4924-A58A-08499E719D30}"/>
+                <a16:creationId xmlns:a16="http://schemas.microsoft.com/office/drawing/2014/main" id="{E967A144-90D9-41FC-9E53-0111BDDAD713}"/>
               </a:ext>
             </a:extLst>
           </p:cNvPr>
@@ -4557,29 +4466,88 @@
             <a:spLocks noGrp="1"/>
           </p:cNvSpPr>
           <p:nvPr>
-            <p:ph type="subTitle" idx="1"/>
+            <p:ph idx="1"/>
           </p:nvPr>
         </p:nvSpPr>
         <p:spPr/>
         <p:txBody>
-          <a:bodyPr/>
+          <a:bodyPr>
+            <a:normAutofit/>
+          </a:bodyPr>
           <a:lstStyle/>
           <a:p>
             <a:r>
-              <a:rPr lang="en-US" dirty="0">
+              <a:rPr lang="en-US" sz="2400" dirty="0">
                 <a:solidFill>
-                  <a:srgbClr val="00B0F0"/>
+                  <a:schemeClr val="bg1"/>
                 </a:solidFill>
               </a:rPr>
-              <a:t>Team N/A</a:t>
-            </a:r>
-          </a:p>
-        </p:txBody>
-      </p:sp>
+              <a:t>The Concept: We are a 2D mobile game based on a wacky gift exchange.</a:t>
+            </a:r>
+          </a:p>
+          <a:p>
+            <a:r>
+              <a:rPr lang="en-US" sz="2400" dirty="0">
+                <a:solidFill>
+                  <a:schemeClr val="bg1"/>
+                </a:solidFill>
+              </a:rPr>
+              <a:t>The Pitch: Shake, swap, and steal your way to the best haul in this exciting new mobile game about opening the best presents. Rattle the package to hear what’s inside, inspect the outside, and make your best judgement as to what’s inside, but beware, it’s not always what you think.</a:t>
+            </a:r>
+          </a:p>
+          <a:p>
+            <a:r>
+              <a:rPr lang="en-US" sz="2400" dirty="0">
+                <a:solidFill>
+                  <a:schemeClr val="bg1"/>
+                </a:solidFill>
+              </a:rPr>
+              <a:t>Core Experience: Excitement of participating in a wacky present swap where anything is possible.</a:t>
+            </a:r>
+          </a:p>
+          <a:p>
+            <a:endParaRPr lang="en-US" sz="2400" dirty="0">
+              <a:solidFill>
+                <a:schemeClr val="bg1"/>
+              </a:solidFill>
+            </a:endParaRPr>
+          </a:p>
+        </p:txBody>
+      </p:sp>
+      <p:pic>
+        <p:nvPicPr>
+          <p:cNvPr id="6" name="Picture 5">
+            <a:extLst>
+              <a:ext uri="{FF2B5EF4-FFF2-40B4-BE49-F238E27FC236}">
+                <a16:creationId xmlns:a16="http://schemas.microsoft.com/office/drawing/2014/main" id="{94F3E229-FBC8-4A41-9E66-A7A56BE6BEEB}"/>
+              </a:ext>
+            </a:extLst>
+          </p:cNvPr>
+          <p:cNvPicPr>
+            <a:picLocks noChangeAspect="1"/>
+          </p:cNvPicPr>
+          <p:nvPr/>
+        </p:nvPicPr>
+        <p:blipFill>
+          <a:blip r:embed="rId3"/>
+          <a:stretch>
+            <a:fillRect/>
+          </a:stretch>
+        </p:blipFill>
+        <p:spPr>
+          <a:xfrm>
+            <a:off x="6674732" y="4569339"/>
+            <a:ext cx="4480948" cy="1667400"/>
+          </a:xfrm>
+          <a:prstGeom prst="rect">
+            <a:avLst/>
+          </a:prstGeom>
+        </p:spPr>
+      </p:pic>
     </p:spTree>
     <p:extLst>
       <p:ext uri="{BB962C8B-B14F-4D97-AF65-F5344CB8AC3E}">
-        <p14:creationId xmlns:p14="http://schemas.microsoft.com/office/powerpoint/2010/main" val="2190429829"/>
+        <p14:creationId xmlns:p14="http://schemas.microsoft.com/office/powerpoint/2010/main" val="2169054899"/>
       </p:ext>
     </p:extLst>
   </p:cSld>
@@ -4674,7 +4642,7 @@
                   <a:schemeClr val="bg1"/>
                 </a:solidFill>
               </a:rPr>
-              <a:t>Our Team</a:t>
+              <a:t>Team N/A</a:t>
             </a:r>
           </a:p>
         </p:txBody>
@@ -4826,7 +4794,7 @@
     </p:spTree>
     <p:extLst>
       <p:ext uri="{BB962C8B-B14F-4D97-AF65-F5344CB8AC3E}">
-        <p14:creationId xmlns:p14="http://schemas.microsoft.com/office/powerpoint/2010/main" val="2169054899"/>
+        <p14:creationId xmlns:p14="http://schemas.microsoft.com/office/powerpoint/2010/main" val="3732891625"/>
       </p:ext>
     </p:extLst>
   </p:cSld>
@@ -4869,7 +4837,7 @@
           <p:cNvPr id="2" name="Title 1">
             <a:extLst>
               <a:ext uri="{FF2B5EF4-FFF2-40B4-BE49-F238E27FC236}">
-                <a16:creationId xmlns:a16="http://schemas.microsoft.com/office/drawing/2014/main" id="{EE7ED093-0D4B-4982-B474-1E83A5E5B28C}"/>
+                <a16:creationId xmlns:a16="http://schemas.microsoft.com/office/drawing/2014/main" id="{9DCEDE46-3034-48C3-83AC-18377EDC5D57}"/>
               </a:ext>
             </a:extLst>
           </p:cNvPr>
@@ -4891,296 +4859,7 @@
                   <a:schemeClr val="bg1"/>
                 </a:solidFill>
               </a:rPr>
-              <a:t>The Concept</a:t>
-            </a:r>
-          </a:p>
-        </p:txBody>
-      </p:sp>
-      <p:sp>
-        <p:nvSpPr>
-          <p:cNvPr id="9" name="Content Placeholder 8">
-            <a:extLst>
-              <a:ext uri="{FF2B5EF4-FFF2-40B4-BE49-F238E27FC236}">
-                <a16:creationId xmlns:a16="http://schemas.microsoft.com/office/drawing/2014/main" id="{E967A144-90D9-41FC-9E53-0111BDDAD713}"/>
-              </a:ext>
-            </a:extLst>
-          </p:cNvPr>
-          <p:cNvSpPr>
-            <a:spLocks noGrp="1"/>
-          </p:cNvSpPr>
-          <p:nvPr>
-            <p:ph idx="1"/>
-          </p:nvPr>
-        </p:nvSpPr>
-        <p:spPr/>
-        <p:txBody>
-          <a:bodyPr>
-            <a:normAutofit/>
-          </a:bodyPr>
-          <a:lstStyle/>
-          <a:p>
-            <a:r>
-              <a:rPr lang="en-US" sz="2400" dirty="0">
-                <a:solidFill>
-                  <a:schemeClr val="bg1"/>
-                </a:solidFill>
-              </a:rPr>
-              <a:t>We are a (mostly) 2D mobile game.</a:t>
-            </a:r>
-          </a:p>
-          <a:p>
-            <a:r>
-              <a:rPr lang="en-US" sz="2400" dirty="0">
-                <a:solidFill>
-                  <a:schemeClr val="bg1"/>
-                </a:solidFill>
-              </a:rPr>
-              <a:t>Based around a wacky gift exchange.</a:t>
-            </a:r>
-          </a:p>
-        </p:txBody>
-      </p:sp>
-      <p:pic>
-        <p:nvPicPr>
-          <p:cNvPr id="5" name="Picture 4">
-            <a:extLst>
-              <a:ext uri="{FF2B5EF4-FFF2-40B4-BE49-F238E27FC236}">
-                <a16:creationId xmlns:a16="http://schemas.microsoft.com/office/drawing/2014/main" id="{6A44569A-0797-48EA-A00B-5C87A275492E}"/>
-              </a:ext>
-            </a:extLst>
-          </p:cNvPr>
-          <p:cNvPicPr>
-            <a:picLocks noChangeAspect="1"/>
-          </p:cNvPicPr>
-          <p:nvPr/>
-        </p:nvPicPr>
-        <p:blipFill>
-          <a:blip r:embed="rId3"/>
-          <a:stretch>
-            <a:fillRect/>
-          </a:stretch>
-        </p:blipFill>
-        <p:spPr>
-          <a:xfrm>
-            <a:off x="6674732" y="4201694"/>
-            <a:ext cx="4480948" cy="1667400"/>
-          </a:xfrm>
-          <a:prstGeom prst="rect">
-            <a:avLst/>
-          </a:prstGeom>
-        </p:spPr>
-      </p:pic>
-    </p:spTree>
-    <p:extLst>
-      <p:ext uri="{BB962C8B-B14F-4D97-AF65-F5344CB8AC3E}">
-        <p14:creationId xmlns:p14="http://schemas.microsoft.com/office/powerpoint/2010/main" val="216644253"/>
-      </p:ext>
-    </p:extLst>
-  </p:cSld>
-  <p:clrMapOvr>
-    <a:masterClrMapping/>
-  </p:clrMapOvr>
-</p:sld>
-</file>
-
-<file path=ppt/slides/slide4.xml><?xml version="1.0" encoding="utf-8"?>
-<p:sld xmlns:a="http://schemas.openxmlformats.org/drawingml/2006/main" xmlns:r="http://schemas.openxmlformats.org/officeDocument/2006/relationships" xmlns:p="http://schemas.openxmlformats.org/presentationml/2006/main">
-  <p:cSld>
-    <p:bg>
-      <p:bgPr>
-        <a:solidFill>
-          <a:schemeClr val="tx1">
-            <a:lumMod val="85000"/>
-            <a:lumOff val="15000"/>
-          </a:schemeClr>
-        </a:solidFill>
-        <a:effectLst/>
-      </p:bgPr>
-    </p:bg>
-    <p:spTree>
-      <p:nvGrpSpPr>
-        <p:cNvPr id="1" name=""/>
-        <p:cNvGrpSpPr/>
-        <p:nvPr/>
-      </p:nvGrpSpPr>
-      <p:grpSpPr>
-        <a:xfrm>
-          <a:off x="0" y="0"/>
-          <a:ext cx="0" cy="0"/>
-          <a:chOff x="0" y="0"/>
-          <a:chExt cx="0" cy="0"/>
-        </a:xfrm>
-      </p:grpSpPr>
-      <p:sp>
-        <p:nvSpPr>
-          <p:cNvPr id="2" name="Title 1">
-            <a:extLst>
-              <a:ext uri="{FF2B5EF4-FFF2-40B4-BE49-F238E27FC236}">
-                <a16:creationId xmlns:a16="http://schemas.microsoft.com/office/drawing/2014/main" id="{EE7ED093-0D4B-4982-B474-1E83A5E5B28C}"/>
-              </a:ext>
-            </a:extLst>
-          </p:cNvPr>
-          <p:cNvSpPr>
-            <a:spLocks noGrp="1"/>
-          </p:cNvSpPr>
-          <p:nvPr>
-            <p:ph type="title"/>
-          </p:nvPr>
-        </p:nvSpPr>
-        <p:spPr/>
-        <p:txBody>
-          <a:bodyPr/>
-          <a:lstStyle/>
-          <a:p>
-            <a:r>
-              <a:rPr lang="en-US" dirty="0">
-                <a:solidFill>
-                  <a:schemeClr val="bg1"/>
-                </a:solidFill>
-              </a:rPr>
-              <a:t>The Pitch</a:t>
-            </a:r>
-          </a:p>
-        </p:txBody>
-      </p:sp>
-      <p:sp>
-        <p:nvSpPr>
-          <p:cNvPr id="3" name="Content Placeholder 2">
-            <a:extLst>
-              <a:ext uri="{FF2B5EF4-FFF2-40B4-BE49-F238E27FC236}">
-                <a16:creationId xmlns:a16="http://schemas.microsoft.com/office/drawing/2014/main" id="{C1AF9E8C-E80C-43BD-B5F8-B55372535F86}"/>
-              </a:ext>
-            </a:extLst>
-          </p:cNvPr>
-          <p:cNvSpPr>
-            <a:spLocks noGrp="1"/>
-          </p:cNvSpPr>
-          <p:nvPr>
-            <p:ph idx="1"/>
-          </p:nvPr>
-        </p:nvSpPr>
-        <p:spPr>
-          <a:xfrm>
-            <a:off x="1097280" y="1845734"/>
-            <a:ext cx="10058400" cy="4023360"/>
-          </a:xfrm>
-        </p:spPr>
-        <p:txBody>
-          <a:bodyPr>
-            <a:normAutofit/>
-          </a:bodyPr>
-          <a:lstStyle/>
-          <a:p>
-            <a:r>
-              <a:rPr lang="en-US" sz="2400" dirty="0">
-                <a:solidFill>
-                  <a:schemeClr val="bg1"/>
-                </a:solidFill>
-              </a:rPr>
-              <a:t>Shake, swap, and steal your way to the best haul in this exciting new mobile game about opening the best presents. Rattle the package to hear what’s inside, inspect the outside, and make your best judgement as to what’s inside, but beware, it’s not always what you think.</a:t>
-            </a:r>
-          </a:p>
-        </p:txBody>
-      </p:sp>
-      <p:pic>
-        <p:nvPicPr>
-          <p:cNvPr id="5" name="Picture 4">
-            <a:extLst>
-              <a:ext uri="{FF2B5EF4-FFF2-40B4-BE49-F238E27FC236}">
-                <a16:creationId xmlns:a16="http://schemas.microsoft.com/office/drawing/2014/main" id="{AB613A26-3366-4372-91E5-1D8A0076AA0E}"/>
-              </a:ext>
-            </a:extLst>
-          </p:cNvPr>
-          <p:cNvPicPr>
-            <a:picLocks noChangeAspect="1"/>
-          </p:cNvPicPr>
-          <p:nvPr/>
-        </p:nvPicPr>
-        <p:blipFill>
-          <a:blip r:embed="rId3"/>
-          <a:stretch>
-            <a:fillRect/>
-          </a:stretch>
-        </p:blipFill>
-        <p:spPr>
-          <a:xfrm>
-            <a:off x="6989131" y="4287583"/>
-            <a:ext cx="4166549" cy="1581511"/>
-          </a:xfrm>
-          <a:prstGeom prst="rect">
-            <a:avLst/>
-          </a:prstGeom>
-        </p:spPr>
-      </p:pic>
-    </p:spTree>
-    <p:extLst>
-      <p:ext uri="{BB962C8B-B14F-4D97-AF65-F5344CB8AC3E}">
-        <p14:creationId xmlns:p14="http://schemas.microsoft.com/office/powerpoint/2010/main" val="2221880814"/>
-      </p:ext>
-    </p:extLst>
-  </p:cSld>
-  <p:clrMapOvr>
-    <a:masterClrMapping/>
-  </p:clrMapOvr>
-</p:sld>
-</file>
-
-<file path=ppt/slides/slide5.xml><?xml version="1.0" encoding="utf-8"?>
-<p:sld xmlns:a="http://schemas.openxmlformats.org/drawingml/2006/main" xmlns:r="http://schemas.openxmlformats.org/officeDocument/2006/relationships" xmlns:p="http://schemas.openxmlformats.org/presentationml/2006/main">
-  <p:cSld>
-    <p:bg>
-      <p:bgPr>
-        <a:solidFill>
-          <a:schemeClr val="tx1">
-            <a:lumMod val="85000"/>
-            <a:lumOff val="15000"/>
-          </a:schemeClr>
-        </a:solidFill>
-        <a:effectLst/>
-      </p:bgPr>
-    </p:bg>
-    <p:spTree>
-      <p:nvGrpSpPr>
-        <p:cNvPr id="1" name=""/>
-        <p:cNvGrpSpPr/>
-        <p:nvPr/>
-      </p:nvGrpSpPr>
-      <p:grpSpPr>
-        <a:xfrm>
-          <a:off x="0" y="0"/>
-          <a:ext cx="0" cy="0"/>
-          <a:chOff x="0" y="0"/>
-          <a:chExt cx="0" cy="0"/>
-        </a:xfrm>
-      </p:grpSpPr>
-      <p:sp>
-        <p:nvSpPr>
-          <p:cNvPr id="2" name="Title 1">
-            <a:extLst>
-              <a:ext uri="{FF2B5EF4-FFF2-40B4-BE49-F238E27FC236}">
-                <a16:creationId xmlns:a16="http://schemas.microsoft.com/office/drawing/2014/main" id="{9DCEDE46-3034-48C3-83AC-18377EDC5D57}"/>
-              </a:ext>
-            </a:extLst>
-          </p:cNvPr>
-          <p:cNvSpPr>
-            <a:spLocks noGrp="1"/>
-          </p:cNvSpPr>
-          <p:nvPr>
-            <p:ph type="title"/>
-          </p:nvPr>
-        </p:nvSpPr>
-        <p:spPr/>
-        <p:txBody>
-          <a:bodyPr/>
-          <a:lstStyle/>
-          <a:p>
-            <a:r>
-              <a:rPr lang="en-US" dirty="0">
-                <a:solidFill>
-                  <a:schemeClr val="bg1"/>
-                </a:solidFill>
-              </a:rPr>
-              <a:t>Core Experience</a:t>
+              <a:t>Some Problems Encountered</a:t>
             </a:r>
           </a:p>
         </p:txBody>
@@ -5201,353 +4880,6 @@
             <p:ph idx="1"/>
           </p:nvPr>
         </p:nvSpPr>
-        <p:spPr/>
-        <p:txBody>
-          <a:bodyPr>
-            <a:normAutofit/>
-          </a:bodyPr>
-          <a:lstStyle/>
-          <a:p>
-            <a:r>
-              <a:rPr lang="en-US" sz="2400" dirty="0">
-                <a:solidFill>
-                  <a:schemeClr val="bg1"/>
-                </a:solidFill>
-              </a:rPr>
-              <a:t>Excitement of participating in a wacky present swap where anything is possible.</a:t>
-            </a:r>
-          </a:p>
-        </p:txBody>
-      </p:sp>
-      <p:pic>
-        <p:nvPicPr>
-          <p:cNvPr id="4" name="Picture 3">
-            <a:extLst>
-              <a:ext uri="{FF2B5EF4-FFF2-40B4-BE49-F238E27FC236}">
-                <a16:creationId xmlns:a16="http://schemas.microsoft.com/office/drawing/2014/main" id="{0CA15816-BD23-407F-8D20-27A1155181EA}"/>
-              </a:ext>
-            </a:extLst>
-          </p:cNvPr>
-          <p:cNvPicPr>
-            <a:picLocks noChangeAspect="1"/>
-          </p:cNvPicPr>
-          <p:nvPr/>
-        </p:nvPicPr>
-        <p:blipFill>
-          <a:blip r:embed="rId2"/>
-          <a:stretch>
-            <a:fillRect/>
-          </a:stretch>
-        </p:blipFill>
-        <p:spPr>
-          <a:xfrm>
-            <a:off x="6572577" y="2595449"/>
-            <a:ext cx="4583103" cy="3273645"/>
-          </a:xfrm>
-          <a:prstGeom prst="rect">
-            <a:avLst/>
-          </a:prstGeom>
-        </p:spPr>
-      </p:pic>
-    </p:spTree>
-    <p:extLst>
-      <p:ext uri="{BB962C8B-B14F-4D97-AF65-F5344CB8AC3E}">
-        <p14:creationId xmlns:p14="http://schemas.microsoft.com/office/powerpoint/2010/main" val="1216296103"/>
-      </p:ext>
-    </p:extLst>
-  </p:cSld>
-  <p:clrMapOvr>
-    <a:masterClrMapping/>
-  </p:clrMapOvr>
-</p:sld>
-</file>
-
-<file path=ppt/slides/slide6.xml><?xml version="1.0" encoding="utf-8"?>
-<p:sld xmlns:a="http://schemas.openxmlformats.org/drawingml/2006/main" xmlns:r="http://schemas.openxmlformats.org/officeDocument/2006/relationships" xmlns:p="http://schemas.openxmlformats.org/presentationml/2006/main">
-  <p:cSld>
-    <p:bg>
-      <p:bgPr>
-        <a:solidFill>
-          <a:schemeClr val="tx1">
-            <a:lumMod val="85000"/>
-            <a:lumOff val="15000"/>
-          </a:schemeClr>
-        </a:solidFill>
-        <a:effectLst/>
-      </p:bgPr>
-    </p:bg>
-    <p:spTree>
-      <p:nvGrpSpPr>
-        <p:cNvPr id="1" name=""/>
-        <p:cNvGrpSpPr/>
-        <p:nvPr/>
-      </p:nvGrpSpPr>
-      <p:grpSpPr>
-        <a:xfrm>
-          <a:off x="0" y="0"/>
-          <a:ext cx="0" cy="0"/>
-          <a:chOff x="0" y="0"/>
-          <a:chExt cx="0" cy="0"/>
-        </a:xfrm>
-      </p:grpSpPr>
-      <p:sp>
-        <p:nvSpPr>
-          <p:cNvPr id="2" name="Title 1">
-            <a:extLst>
-              <a:ext uri="{FF2B5EF4-FFF2-40B4-BE49-F238E27FC236}">
-                <a16:creationId xmlns:a16="http://schemas.microsoft.com/office/drawing/2014/main" id="{9DCEDE46-3034-48C3-83AC-18377EDC5D57}"/>
-              </a:ext>
-            </a:extLst>
-          </p:cNvPr>
-          <p:cNvSpPr>
-            <a:spLocks noGrp="1"/>
-          </p:cNvSpPr>
-          <p:nvPr>
-            <p:ph type="title"/>
-          </p:nvPr>
-        </p:nvSpPr>
-        <p:spPr/>
-        <p:txBody>
-          <a:bodyPr/>
-          <a:lstStyle/>
-          <a:p>
-            <a:r>
-              <a:rPr lang="en-US" dirty="0">
-                <a:solidFill>
-                  <a:schemeClr val="bg1"/>
-                </a:solidFill>
-              </a:rPr>
-              <a:t>Basic Mechanics</a:t>
-            </a:r>
-          </a:p>
-        </p:txBody>
-      </p:sp>
-      <p:sp>
-        <p:nvSpPr>
-          <p:cNvPr id="3" name="Content Placeholder 2">
-            <a:extLst>
-              <a:ext uri="{FF2B5EF4-FFF2-40B4-BE49-F238E27FC236}">
-                <a16:creationId xmlns:a16="http://schemas.microsoft.com/office/drawing/2014/main" id="{0A215C2D-1A60-4898-9E77-A44AF9A3FEEC}"/>
-              </a:ext>
-            </a:extLst>
-          </p:cNvPr>
-          <p:cNvSpPr>
-            <a:spLocks noGrp="1"/>
-          </p:cNvSpPr>
-          <p:nvPr>
-            <p:ph idx="1"/>
-          </p:nvPr>
-        </p:nvSpPr>
-        <p:spPr/>
-        <p:txBody>
-          <a:bodyPr>
-            <a:normAutofit/>
-          </a:bodyPr>
-          <a:lstStyle/>
-          <a:p>
-            <a:r>
-              <a:rPr lang="en-US" sz="2400" dirty="0">
-                <a:solidFill>
-                  <a:schemeClr val="bg1"/>
-                </a:solidFill>
-              </a:rPr>
-              <a:t>Receive</a:t>
-            </a:r>
-          </a:p>
-          <a:p>
-            <a:pPr lvl="1"/>
-            <a:r>
-              <a:rPr lang="en-US" sz="2200" dirty="0">
-                <a:solidFill>
-                  <a:schemeClr val="bg1"/>
-                </a:solidFill>
-              </a:rPr>
-              <a:t>Visuals</a:t>
-            </a:r>
-            <a:endParaRPr lang="en-US" sz="2400" dirty="0">
-              <a:solidFill>
-                <a:schemeClr val="bg1"/>
-              </a:solidFill>
-            </a:endParaRPr>
-          </a:p>
-          <a:p>
-            <a:pPr lvl="1"/>
-            <a:r>
-              <a:rPr lang="en-US" sz="2200" dirty="0">
-                <a:solidFill>
-                  <a:schemeClr val="bg1"/>
-                </a:solidFill>
-              </a:rPr>
-              <a:t>Vibration</a:t>
-            </a:r>
-          </a:p>
-          <a:p>
-            <a:r>
-              <a:rPr lang="en-US" sz="2400" dirty="0">
-                <a:solidFill>
-                  <a:schemeClr val="bg1"/>
-                </a:solidFill>
-              </a:rPr>
-              <a:t>Shake</a:t>
-            </a:r>
-          </a:p>
-          <a:p>
-            <a:pPr lvl="1"/>
-            <a:r>
-              <a:rPr lang="en-US" sz="2200" dirty="0">
-                <a:solidFill>
-                  <a:schemeClr val="bg1"/>
-                </a:solidFill>
-              </a:rPr>
-              <a:t>Sound</a:t>
-            </a:r>
-          </a:p>
-          <a:p>
-            <a:r>
-              <a:rPr lang="en-US" sz="2400" dirty="0">
-                <a:solidFill>
-                  <a:schemeClr val="bg1"/>
-                </a:solidFill>
-              </a:rPr>
-              <a:t>Pass gift</a:t>
-            </a:r>
-            <a:endParaRPr lang="en-US" sz="2200" dirty="0">
-              <a:solidFill>
-                <a:schemeClr val="bg1"/>
-              </a:solidFill>
-            </a:endParaRPr>
-          </a:p>
-          <a:p>
-            <a:r>
-              <a:rPr lang="en-US" sz="2400" dirty="0">
-                <a:solidFill>
-                  <a:schemeClr val="bg1"/>
-                </a:solidFill>
-              </a:rPr>
-              <a:t>Keep gift</a:t>
-            </a:r>
-          </a:p>
-        </p:txBody>
-      </p:sp>
-      <p:pic>
-        <p:nvPicPr>
-          <p:cNvPr id="6" name="Picture 5">
-            <a:extLst>
-              <a:ext uri="{FF2B5EF4-FFF2-40B4-BE49-F238E27FC236}">
-                <a16:creationId xmlns:a16="http://schemas.microsoft.com/office/drawing/2014/main" id="{2DF97F05-D236-47B6-A0A1-15D228CA6AE1}"/>
-              </a:ext>
-            </a:extLst>
-          </p:cNvPr>
-          <p:cNvPicPr>
-            <a:picLocks noChangeAspect="1"/>
-          </p:cNvPicPr>
-          <p:nvPr/>
-        </p:nvPicPr>
-        <p:blipFill>
-          <a:blip r:embed="rId2"/>
-          <a:stretch>
-            <a:fillRect/>
-          </a:stretch>
-        </p:blipFill>
-        <p:spPr>
-          <a:xfrm>
-            <a:off x="7955274" y="3583090"/>
-            <a:ext cx="3200406" cy="2286004"/>
-          </a:xfrm>
-          <a:prstGeom prst="rect">
-            <a:avLst/>
-          </a:prstGeom>
-        </p:spPr>
-      </p:pic>
-    </p:spTree>
-    <p:extLst>
-      <p:ext uri="{BB962C8B-B14F-4D97-AF65-F5344CB8AC3E}">
-        <p14:creationId xmlns:p14="http://schemas.microsoft.com/office/powerpoint/2010/main" val="4170413060"/>
-      </p:ext>
-    </p:extLst>
-  </p:cSld>
-  <p:clrMapOvr>
-    <a:masterClrMapping/>
-  </p:clrMapOvr>
-</p:sld>
-</file>
-
-<file path=ppt/slides/slide7.xml><?xml version="1.0" encoding="utf-8"?>
-<p:sld xmlns:a="http://schemas.openxmlformats.org/drawingml/2006/main" xmlns:r="http://schemas.openxmlformats.org/officeDocument/2006/relationships" xmlns:p="http://schemas.openxmlformats.org/presentationml/2006/main">
-  <p:cSld>
-    <p:bg>
-      <p:bgPr>
-        <a:solidFill>
-          <a:schemeClr val="tx1">
-            <a:lumMod val="85000"/>
-            <a:lumOff val="15000"/>
-          </a:schemeClr>
-        </a:solidFill>
-        <a:effectLst/>
-      </p:bgPr>
-    </p:bg>
-    <p:spTree>
-      <p:nvGrpSpPr>
-        <p:cNvPr id="1" name=""/>
-        <p:cNvGrpSpPr/>
-        <p:nvPr/>
-      </p:nvGrpSpPr>
-      <p:grpSpPr>
-        <a:xfrm>
-          <a:off x="0" y="0"/>
-          <a:ext cx="0" cy="0"/>
-          <a:chOff x="0" y="0"/>
-          <a:chExt cx="0" cy="0"/>
-        </a:xfrm>
-      </p:grpSpPr>
-      <p:sp>
-        <p:nvSpPr>
-          <p:cNvPr id="2" name="Title 1">
-            <a:extLst>
-              <a:ext uri="{FF2B5EF4-FFF2-40B4-BE49-F238E27FC236}">
-                <a16:creationId xmlns:a16="http://schemas.microsoft.com/office/drawing/2014/main" id="{9DCEDE46-3034-48C3-83AC-18377EDC5D57}"/>
-              </a:ext>
-            </a:extLst>
-          </p:cNvPr>
-          <p:cNvSpPr>
-            <a:spLocks noGrp="1"/>
-          </p:cNvSpPr>
-          <p:nvPr>
-            <p:ph type="title"/>
-          </p:nvPr>
-        </p:nvSpPr>
-        <p:spPr/>
-        <p:txBody>
-          <a:bodyPr/>
-          <a:lstStyle/>
-          <a:p>
-            <a:r>
-              <a:rPr lang="en-US" dirty="0">
-                <a:solidFill>
-                  <a:schemeClr val="bg1"/>
-                </a:solidFill>
-              </a:rPr>
-              <a:t>What’s New</a:t>
-            </a:r>
-          </a:p>
-        </p:txBody>
-      </p:sp>
-      <p:sp>
-        <p:nvSpPr>
-          <p:cNvPr id="3" name="Content Placeholder 2">
-            <a:extLst>
-              <a:ext uri="{FF2B5EF4-FFF2-40B4-BE49-F238E27FC236}">
-                <a16:creationId xmlns:a16="http://schemas.microsoft.com/office/drawing/2014/main" id="{0A215C2D-1A60-4898-9E77-A44AF9A3FEEC}"/>
-              </a:ext>
-            </a:extLst>
-          </p:cNvPr>
-          <p:cNvSpPr>
-            <a:spLocks noGrp="1"/>
-          </p:cNvSpPr>
-          <p:nvPr>
-            <p:ph idx="1"/>
-          </p:nvPr>
-        </p:nvSpPr>
         <p:spPr>
           <a:xfrm>
             <a:off x="1097280" y="1845734"/>
@@ -5561,35 +4893,22 @@
           <a:lstStyle/>
           <a:p>
             <a:r>
-              <a:rPr lang="en-US" sz="2400" strike="sngStrike" dirty="0">
-                <a:solidFill>
-                  <a:schemeClr val="bg1"/>
-                </a:solidFill>
-              </a:rPr>
-              <a:t>Networking.</a:t>
-            </a:r>
-          </a:p>
-          <a:p>
-            <a:r>
               <a:rPr lang="en-US" sz="2400" dirty="0">
                 <a:solidFill>
                   <a:schemeClr val="bg1"/>
                 </a:solidFill>
               </a:rPr>
-              <a:t>New Art Style</a:t>
-            </a:r>
-          </a:p>
-          <a:p>
-            <a:pPr marL="0" indent="0">
-              <a:buNone/>
-            </a:pPr>
+              <a:t>Networking is hard</a:t>
+            </a:r>
+          </a:p>
+          <a:p>
             <a:r>
               <a:rPr lang="en-US" sz="2400" dirty="0">
                 <a:solidFill>
                   <a:schemeClr val="bg1"/>
                 </a:solidFill>
               </a:rPr>
-              <a:t> Sounds</a:t>
+              <a:t>Pixel art is somewhat limiting</a:t>
             </a:r>
           </a:p>
           <a:p>
@@ -5599,8 +4918,22 @@
                   <a:schemeClr val="bg1"/>
                 </a:solidFill>
               </a:rPr>
-              <a:t>Menus</a:t>
-            </a:r>
+              <a:t>Refining our sense of humor</a:t>
+            </a:r>
+          </a:p>
+          <a:p>
+            <a:endParaRPr lang="en-US" sz="2400" dirty="0">
+              <a:solidFill>
+                <a:schemeClr val="bg1"/>
+              </a:solidFill>
+            </a:endParaRPr>
+          </a:p>
+          <a:p>
+            <a:endParaRPr lang="en-US" sz="2400" dirty="0">
+              <a:solidFill>
+                <a:schemeClr val="bg1"/>
+              </a:solidFill>
+            </a:endParaRPr>
           </a:p>
         </p:txBody>
       </p:sp>
@@ -5664,7 +4997,164 @@
 </p:sld>
 </file>
 
-<file path=ppt/slides/slide8.xml><?xml version="1.0" encoding="utf-8"?>
+<file path=ppt/slides/slide4.xml><?xml version="1.0" encoding="utf-8"?>
+<p:sld xmlns:a="http://schemas.openxmlformats.org/drawingml/2006/main" xmlns:r="http://schemas.openxmlformats.org/officeDocument/2006/relationships" xmlns:p="http://schemas.openxmlformats.org/presentationml/2006/main">
+  <p:cSld>
+    <p:bg>
+      <p:bgPr>
+        <a:solidFill>
+          <a:schemeClr val="tx1">
+            <a:lumMod val="85000"/>
+            <a:lumOff val="15000"/>
+          </a:schemeClr>
+        </a:solidFill>
+        <a:effectLst/>
+      </p:bgPr>
+    </p:bg>
+    <p:spTree>
+      <p:nvGrpSpPr>
+        <p:cNvPr id="1" name=""/>
+        <p:cNvGrpSpPr/>
+        <p:nvPr/>
+      </p:nvGrpSpPr>
+      <p:grpSpPr>
+        <a:xfrm>
+          <a:off x="0" y="0"/>
+          <a:ext cx="0" cy="0"/>
+          <a:chOff x="0" y="0"/>
+          <a:chExt cx="0" cy="0"/>
+        </a:xfrm>
+      </p:grpSpPr>
+      <p:sp>
+        <p:nvSpPr>
+          <p:cNvPr id="2" name="Title 1">
+            <a:extLst>
+              <a:ext uri="{FF2B5EF4-FFF2-40B4-BE49-F238E27FC236}">
+                <a16:creationId xmlns:a16="http://schemas.microsoft.com/office/drawing/2014/main" id="{9DCEDE46-3034-48C3-83AC-18377EDC5D57}"/>
+              </a:ext>
+            </a:extLst>
+          </p:cNvPr>
+          <p:cNvSpPr>
+            <a:spLocks noGrp="1"/>
+          </p:cNvSpPr>
+          <p:nvPr>
+            <p:ph type="title"/>
+          </p:nvPr>
+        </p:nvSpPr>
+        <p:spPr/>
+        <p:txBody>
+          <a:bodyPr/>
+          <a:lstStyle/>
+          <a:p>
+            <a:r>
+              <a:rPr lang="en-US" dirty="0">
+                <a:solidFill>
+                  <a:schemeClr val="bg1"/>
+                </a:solidFill>
+              </a:rPr>
+              <a:t>Solutions</a:t>
+            </a:r>
+          </a:p>
+        </p:txBody>
+      </p:sp>
+      <p:sp>
+        <p:nvSpPr>
+          <p:cNvPr id="3" name="Content Placeholder 2">
+            <a:extLst>
+              <a:ext uri="{FF2B5EF4-FFF2-40B4-BE49-F238E27FC236}">
+                <a16:creationId xmlns:a16="http://schemas.microsoft.com/office/drawing/2014/main" id="{0A215C2D-1A60-4898-9E77-A44AF9A3FEEC}"/>
+              </a:ext>
+            </a:extLst>
+          </p:cNvPr>
+          <p:cNvSpPr>
+            <a:spLocks noGrp="1"/>
+          </p:cNvSpPr>
+          <p:nvPr>
+            <p:ph idx="1"/>
+          </p:nvPr>
+        </p:nvSpPr>
+        <p:spPr/>
+        <p:txBody>
+          <a:bodyPr>
+            <a:normAutofit/>
+          </a:bodyPr>
+          <a:lstStyle/>
+          <a:p>
+            <a:r>
+              <a:rPr lang="en-US" sz="2400" dirty="0">
+                <a:solidFill>
+                  <a:schemeClr val="bg1"/>
+                </a:solidFill>
+              </a:rPr>
+              <a:t>One phone will be passed around</a:t>
+            </a:r>
+          </a:p>
+          <a:p>
+            <a:r>
+              <a:rPr lang="en-US" sz="2400" dirty="0">
+                <a:solidFill>
+                  <a:schemeClr val="bg1"/>
+                </a:solidFill>
+              </a:rPr>
+              <a:t>New art style</a:t>
+            </a:r>
+          </a:p>
+          <a:p>
+            <a:r>
+              <a:rPr lang="en-US" sz="2400" dirty="0">
+                <a:solidFill>
+                  <a:schemeClr val="bg1"/>
+                </a:solidFill>
+              </a:rPr>
+              <a:t>Remove personal bias</a:t>
+            </a:r>
+          </a:p>
+        </p:txBody>
+      </p:sp>
+      <p:pic>
+        <p:nvPicPr>
+          <p:cNvPr id="6" name="Picture 5">
+            <a:extLst>
+              <a:ext uri="{FF2B5EF4-FFF2-40B4-BE49-F238E27FC236}">
+                <a16:creationId xmlns:a16="http://schemas.microsoft.com/office/drawing/2014/main" id="{2DF97F05-D236-47B6-A0A1-15D228CA6AE1}"/>
+              </a:ext>
+            </a:extLst>
+          </p:cNvPr>
+          <p:cNvPicPr>
+            <a:picLocks noChangeAspect="1"/>
+          </p:cNvPicPr>
+          <p:nvPr/>
+        </p:nvPicPr>
+        <p:blipFill>
+          <a:blip r:embed="rId2"/>
+          <a:stretch>
+            <a:fillRect/>
+          </a:stretch>
+        </p:blipFill>
+        <p:spPr>
+          <a:xfrm>
+            <a:off x="8991594" y="4054430"/>
+            <a:ext cx="3200406" cy="2286004"/>
+          </a:xfrm>
+          <a:prstGeom prst="rect">
+            <a:avLst/>
+          </a:prstGeom>
+        </p:spPr>
+      </p:pic>
+    </p:spTree>
+    <p:extLst>
+      <p:ext uri="{BB962C8B-B14F-4D97-AF65-F5344CB8AC3E}">
+        <p14:creationId xmlns:p14="http://schemas.microsoft.com/office/powerpoint/2010/main" val="4170413060"/>
+      </p:ext>
+    </p:extLst>
+  </p:cSld>
+  <p:clrMapOvr>
+    <a:masterClrMapping/>
+  </p:clrMapOvr>
+</p:sld>
+</file>
+
+<file path=ppt/slides/slide5.xml><?xml version="1.0" encoding="utf-8"?>
 <p:sld xmlns:a="http://schemas.openxmlformats.org/drawingml/2006/main" xmlns:r="http://schemas.openxmlformats.org/officeDocument/2006/relationships" xmlns:p="http://schemas.openxmlformats.org/presentationml/2006/main">
   <p:cSld>
     <p:bg>
@@ -5905,7 +5395,7 @@
 </p:sld>
 </file>
 
-<file path=ppt/slides/slide9.xml><?xml version="1.0" encoding="utf-8"?>
+<file path=ppt/slides/slide6.xml><?xml version="1.0" encoding="utf-8"?>
 <p:sld xmlns:a="http://schemas.openxmlformats.org/drawingml/2006/main" xmlns:r="http://schemas.openxmlformats.org/officeDocument/2006/relationships" xmlns:p="http://schemas.openxmlformats.org/presentationml/2006/main">
   <p:cSld>
     <p:bg>
@@ -5996,6 +5486,36 @@
           </a:p>
         </p:txBody>
       </p:sp>
+      <p:pic>
+        <p:nvPicPr>
+          <p:cNvPr id="4" name="Picture 3">
+            <a:extLst>
+              <a:ext uri="{FF2B5EF4-FFF2-40B4-BE49-F238E27FC236}">
+                <a16:creationId xmlns:a16="http://schemas.microsoft.com/office/drawing/2014/main" id="{495E15F4-C50E-4038-9299-AF98D29800D4}"/>
+              </a:ext>
+            </a:extLst>
+          </p:cNvPr>
+          <p:cNvPicPr>
+            <a:picLocks noChangeAspect="1"/>
+          </p:cNvPicPr>
+          <p:nvPr/>
+        </p:nvPicPr>
+        <p:blipFill>
+          <a:blip r:embed="rId2"/>
+          <a:stretch>
+            <a:fillRect/>
+          </a:stretch>
+        </p:blipFill>
+        <p:spPr>
+          <a:xfrm>
+            <a:off x="6572577" y="2595449"/>
+            <a:ext cx="4583103" cy="3273645"/>
+          </a:xfrm>
+          <a:prstGeom prst="rect">
+            <a:avLst/>
+          </a:prstGeom>
+        </p:spPr>
+      </p:pic>
     </p:spTree>
     <p:extLst>
       <p:ext uri="{BB962C8B-B14F-4D97-AF65-F5344CB8AC3E}">
